--- a/courses/sysprog/slides/lec03-exp.pptx
+++ b/courses/sysprog/slides/lec03-exp.pptx
@@ -16792,14 +16792,14 @@
           <a:lstStyle/>
           <a:p>
             <a:r>
-              <a:rPr lang="en-US" altLang="zh-CN"/>
+              <a:rPr lang="en-US" altLang="zh-CN" dirty="0"/>
               <a:t>Boolean operators are short-circuit</a:t>
             </a:r>
           </a:p>
           <a:p>
             <a:pPr lvl="1"/>
             <a:r>
-              <a:rPr lang="en-US" altLang="zh-CN"/>
+              <a:rPr lang="en-US" altLang="zh-CN" dirty="0"/>
               <a:t>Computations stop as soon as true or false is known</a:t>
             </a:r>
           </a:p>
@@ -16808,7 +16808,7 @@
               <a:buFont typeface="Wingdings" panose="05000000000000000000" pitchFamily="2" charset="2"/>
               <a:buNone/>
             </a:pPr>
-            <a:endParaRPr lang="en-US" altLang="zh-CN" sz="2000" b="1">
+            <a:endParaRPr lang="en-US" altLang="zh-CN" sz="2000" b="1" dirty="0">
               <a:latin typeface="Courier New" panose="02070309020205020404" pitchFamily="49" charset="0"/>
             </a:endParaRPr>
           </a:p>
@@ -16818,7 +16818,7 @@
               <a:buNone/>
             </a:pPr>
             <a:r>
-              <a:rPr lang="en-US" altLang="zh-CN" sz="2000" b="1">
+              <a:rPr lang="en-US" altLang="zh-CN" sz="2000" b="1" dirty="0">
                 <a:solidFill>
                   <a:schemeClr val="folHlink"/>
                 </a:solidFill>
@@ -16833,13 +16833,13 @@
               <a:buNone/>
             </a:pPr>
             <a:r>
-              <a:rPr lang="en-US" altLang="zh-CN" sz="2000" b="1">
+              <a:rPr lang="en-US" altLang="zh-CN" sz="2000" b="1" dirty="0">
                 <a:solidFill>
                   <a:schemeClr val="folHlink"/>
                 </a:solidFill>
                 <a:latin typeface="Courier New" panose="02070309020205020404" pitchFamily="49" charset="0"/>
               </a:rPr>
-              <a:t>if ((3&gt;2) || (x=8));</a:t>
+              <a:t>if((3&gt;2) || (x=8));</a:t>
             </a:r>
           </a:p>
           <a:p>
@@ -16848,7 +16848,7 @@
               <a:buNone/>
             </a:pPr>
             <a:r>
-              <a:rPr lang="en-US" altLang="zh-CN" sz="2000" b="1">
+              <a:rPr lang="en-US" altLang="zh-CN" sz="2000" b="1" dirty="0">
                 <a:latin typeface="Courier New" panose="02070309020205020404" pitchFamily="49" charset="0"/>
               </a:rPr>
               <a:t>// what’s x’s value? 8 or 9?</a:t>
@@ -16943,7 +16943,7 @@
               <a:buNone/>
             </a:pPr>
             <a:r>
-              <a:rPr lang="en-US" altLang="zh-CN" sz="2000" b="1">
+              <a:rPr lang="en-US" altLang="zh-CN" sz="2000" b="1" dirty="0">
                 <a:latin typeface="Courier New" panose="02070309020205020404" pitchFamily="49" charset="0"/>
               </a:rPr>
               <a:t>// another example on &amp;&amp;</a:t>
@@ -16958,7 +16958,7 @@
               <a:buNone/>
             </a:pPr>
             <a:r>
-              <a:rPr lang="en-US" altLang="zh-CN" sz="2000" b="1">
+              <a:rPr lang="en-US" altLang="zh-CN" sz="2000" b="1" dirty="0">
                 <a:solidFill>
                   <a:schemeClr val="folHlink"/>
                 </a:solidFill>
@@ -16976,13 +16976,13 @@
               <a:buNone/>
             </a:pPr>
             <a:r>
-              <a:rPr lang="en-US" altLang="zh-CN" sz="2000" b="1">
+              <a:rPr lang="en-US" altLang="zh-CN" sz="2000" b="1" dirty="0">
                 <a:solidFill>
                   <a:schemeClr val="folHlink"/>
                 </a:solidFill>
                 <a:latin typeface="Courier New" panose="02070309020205020404" pitchFamily="49" charset="0"/>
               </a:rPr>
-              <a:t>if ((1&lt;0) &amp;&amp; (x=8));</a:t>
+              <a:t>if((1&lt;0) &amp;&amp; (x=8));</a:t>
             </a:r>
           </a:p>
           <a:p>
@@ -16994,7 +16994,7 @@
               <a:buNone/>
             </a:pPr>
             <a:r>
-              <a:rPr lang="en-US" altLang="zh-CN" sz="2000" b="1">
+              <a:rPr lang="en-US" altLang="zh-CN" sz="2000" b="1" dirty="0">
                 <a:latin typeface="Courier New" panose="02070309020205020404" pitchFamily="49" charset="0"/>
               </a:rPr>
               <a:t>// what’s x’s value? 8 or 9?</a:t>
@@ -17008,7 +17008,7 @@
               <a:buFont typeface="Wingdings" panose="05000000000000000000" pitchFamily="2" charset="2"/>
               <a:buNone/>
             </a:pPr>
-            <a:endParaRPr lang="en-US" altLang="zh-CN" sz="2000" b="1">
+            <a:endParaRPr lang="en-US" altLang="zh-CN" sz="2000" b="1" dirty="0">
               <a:latin typeface="Courier New" panose="02070309020205020404" pitchFamily="49" charset="0"/>
             </a:endParaRPr>
           </a:p>
@@ -17021,7 +17021,7 @@
               <a:buNone/>
             </a:pPr>
             <a:r>
-              <a:rPr lang="en-US" altLang="zh-CN" sz="2000" b="1">
+              <a:rPr lang="en-US" altLang="zh-CN" sz="2000" b="1" dirty="0">
                 <a:latin typeface="Courier New" panose="02070309020205020404" pitchFamily="49" charset="0"/>
               </a:rPr>
               <a:t>// a more fancy example</a:t>
@@ -17036,13 +17036,31 @@
               <a:buNone/>
             </a:pPr>
             <a:r>
-              <a:rPr lang="en-US" altLang="zh-CN" sz="2000" b="1">
+              <a:rPr lang="en-US" altLang="zh-CN" sz="2000" b="1" dirty="0">
                 <a:solidFill>
                   <a:schemeClr val="folHlink"/>
                 </a:solidFill>
                 <a:latin typeface="Courier New" panose="02070309020205020404" pitchFamily="49" charset="0"/>
               </a:rPr>
-              <a:t>int i = 0;</a:t>
+              <a:t>int </a:t>
+            </a:r>
+            <a:r>
+              <a:rPr lang="en-US" altLang="zh-CN" sz="2000" b="1" dirty="0" err="1">
+                <a:solidFill>
+                  <a:schemeClr val="folHlink"/>
+                </a:solidFill>
+                <a:latin typeface="Courier New" panose="02070309020205020404" pitchFamily="49" charset="0"/>
+              </a:rPr>
+              <a:t>i</a:t>
+            </a:r>
+            <a:r>
+              <a:rPr lang="en-US" altLang="zh-CN" sz="2000" b="1" dirty="0">
+                <a:solidFill>
+                  <a:schemeClr val="folHlink"/>
+                </a:solidFill>
+                <a:latin typeface="Courier New" panose="02070309020205020404" pitchFamily="49" charset="0"/>
+              </a:rPr>
+              <a:t> = 0;</a:t>
             </a:r>
           </a:p>
           <a:p>
@@ -17054,7 +17072,7 @@
               <a:buNone/>
             </a:pPr>
             <a:r>
-              <a:rPr lang="en-US" altLang="zh-CN" sz="2000" b="1">
+              <a:rPr lang="en-US" altLang="zh-CN" sz="2000" b="1" dirty="0">
                 <a:solidFill>
                   <a:schemeClr val="folHlink"/>
                 </a:solidFill>
@@ -17071,7 +17089,7 @@
               <a:buFont typeface="Wingdings" panose="05000000000000000000" pitchFamily="2" charset="2"/>
               <a:buNone/>
             </a:pPr>
-            <a:endParaRPr lang="en-US" altLang="zh-CN" sz="2000" b="1">
+            <a:endParaRPr lang="en-US" altLang="zh-CN" sz="2000" b="1" dirty="0">
               <a:solidFill>
                 <a:schemeClr val="folHlink"/>
               </a:solidFill>
@@ -17087,13 +17105,49 @@
               <a:buNone/>
             </a:pPr>
             <a:r>
-              <a:rPr lang="en-US" altLang="zh-CN" sz="2000" b="1">
+              <a:rPr lang="en-US" altLang="zh-CN" sz="2000" b="1" dirty="0">
                 <a:solidFill>
                   <a:schemeClr val="folHlink"/>
                 </a:solidFill>
                 <a:latin typeface="Courier New" panose="02070309020205020404" pitchFamily="49" charset="0"/>
               </a:rPr>
-              <a:t>while (i&lt;10 &amp;&amp; a[i]!=0){</a:t>
+              <a:t>while(</a:t>
+            </a:r>
+            <a:r>
+              <a:rPr lang="en-US" altLang="zh-CN" sz="2000" b="1" dirty="0" err="1">
+                <a:solidFill>
+                  <a:schemeClr val="folHlink"/>
+                </a:solidFill>
+                <a:latin typeface="Courier New" panose="02070309020205020404" pitchFamily="49" charset="0"/>
+              </a:rPr>
+              <a:t>i</a:t>
+            </a:r>
+            <a:r>
+              <a:rPr lang="en-US" altLang="zh-CN" sz="2000" b="1" dirty="0">
+                <a:solidFill>
+                  <a:schemeClr val="folHlink"/>
+                </a:solidFill>
+                <a:latin typeface="Courier New" panose="02070309020205020404" pitchFamily="49" charset="0"/>
+              </a:rPr>
+              <a:t>&lt;10 &amp;&amp; a[</a:t>
+            </a:r>
+            <a:r>
+              <a:rPr lang="en-US" altLang="zh-CN" sz="2000" b="1" dirty="0" err="1">
+                <a:solidFill>
+                  <a:schemeClr val="folHlink"/>
+                </a:solidFill>
+                <a:latin typeface="Courier New" panose="02070309020205020404" pitchFamily="49" charset="0"/>
+              </a:rPr>
+              <a:t>i</a:t>
+            </a:r>
+            <a:r>
+              <a:rPr lang="en-US" altLang="zh-CN" sz="2000" b="1" dirty="0">
+                <a:solidFill>
+                  <a:schemeClr val="folHlink"/>
+                </a:solidFill>
+                <a:latin typeface="Courier New" panose="02070309020205020404" pitchFamily="49" charset="0"/>
+              </a:rPr>
+              <a:t>]!=0){</a:t>
             </a:r>
           </a:p>
           <a:p>
@@ -17105,7 +17159,7 @@
               <a:buNone/>
             </a:pPr>
             <a:r>
-              <a:rPr lang="en-US" altLang="zh-CN" sz="2000" b="1">
+              <a:rPr lang="en-US" altLang="zh-CN" sz="2000" b="1" dirty="0">
                 <a:solidFill>
                   <a:schemeClr val="folHlink"/>
                 </a:solidFill>
@@ -17123,7 +17177,7 @@
               <a:buNone/>
             </a:pPr>
             <a:r>
-              <a:rPr lang="en-US" altLang="zh-CN" sz="2000" b="1">
+              <a:rPr lang="en-US" altLang="zh-CN" sz="2000" b="1" dirty="0">
                 <a:solidFill>
                   <a:schemeClr val="folHlink"/>
                 </a:solidFill>
@@ -17227,27 +17281,27 @@
               </a:lnSpc>
             </a:pPr>
             <a:r>
-              <a:rPr lang="en-US" altLang="zh-CN" sz="2400"/>
+              <a:rPr lang="en-US" altLang="zh-CN" sz="2400" dirty="0"/>
               <a:t>Not </a:t>
             </a:r>
             <a:r>
-              <a:rPr lang="en-US" altLang="zh-CN" sz="2400">
+              <a:rPr lang="en-US" altLang="zh-CN" sz="2400" dirty="0">
                 <a:latin typeface="Arial" panose="020B0604020202020204" pitchFamily="34" charset="0"/>
               </a:rPr>
               <a:t>“</a:t>
             </a:r>
             <a:r>
-              <a:rPr lang="en-US" altLang="zh-CN" sz="2400"/>
+              <a:rPr lang="en-US" altLang="zh-CN" sz="2400" dirty="0"/>
               <a:t>!</a:t>
             </a:r>
             <a:r>
-              <a:rPr lang="en-US" altLang="zh-CN" sz="2400">
+              <a:rPr lang="en-US" altLang="zh-CN" sz="2400" dirty="0">
                 <a:latin typeface="Arial" panose="020B0604020202020204" pitchFamily="34" charset="0"/>
               </a:rPr>
               <a:t>”</a:t>
             </a:r>
             <a:r>
-              <a:rPr lang="en-US" altLang="zh-CN" sz="2400"/>
+              <a:rPr lang="en-US" altLang="zh-CN" sz="2400" dirty="0"/>
               <a:t> converts 0 to 1, and non-zero values to 0</a:t>
             </a:r>
           </a:p>
@@ -17257,7 +17311,7 @@
                 <a:spcPct val="80000"/>
               </a:lnSpc>
             </a:pPr>
-            <a:endParaRPr lang="en-US" altLang="zh-CN" sz="2400"/>
+            <a:endParaRPr lang="en-US" altLang="zh-CN" sz="2400" dirty="0"/>
           </a:p>
           <a:p>
             <a:pPr>
@@ -17268,13 +17322,13 @@
               <a:buNone/>
             </a:pPr>
             <a:r>
-              <a:rPr lang="en-US" altLang="zh-CN" sz="2000" b="1">
+              <a:rPr lang="en-US" altLang="zh-CN" sz="2000" b="1" dirty="0">
                 <a:solidFill>
                   <a:schemeClr val="folHlink"/>
                 </a:solidFill>
                 <a:latin typeface="Courier New" panose="02070309020205020404" pitchFamily="49" charset="0"/>
               </a:rPr>
-              <a:t>if (!a){</a:t>
+              <a:t>if(!a){</a:t>
             </a:r>
           </a:p>
           <a:p>
@@ -17286,7 +17340,7 @@
               <a:buNone/>
             </a:pPr>
             <a:r>
-              <a:rPr lang="en-US" altLang="zh-CN" sz="2000" b="1">
+              <a:rPr lang="en-US" altLang="zh-CN" sz="2000" b="1" dirty="0">
                 <a:solidFill>
                   <a:schemeClr val="folHlink"/>
                 </a:solidFill>
@@ -17304,7 +17358,7 @@
               <a:buNone/>
             </a:pPr>
             <a:r>
-              <a:rPr lang="en-US" altLang="zh-CN" sz="2000" b="1">
+              <a:rPr lang="en-US" altLang="zh-CN" sz="2000" b="1" dirty="0">
                 <a:solidFill>
                   <a:schemeClr val="folHlink"/>
                 </a:solidFill>
@@ -17322,7 +17376,7 @@
               <a:buNone/>
             </a:pPr>
             <a:r>
-              <a:rPr lang="en-US" altLang="zh-CN" sz="2000" b="1">
+              <a:rPr lang="en-US" altLang="zh-CN" sz="2000" b="1" dirty="0">
                 <a:latin typeface="Courier New" panose="02070309020205020404" pitchFamily="49" charset="0"/>
               </a:rPr>
               <a:t>// reads “if a does not hold”, then …</a:t>
@@ -17337,7 +17391,7 @@
               <a:buNone/>
             </a:pPr>
             <a:r>
-              <a:rPr lang="en-US" altLang="zh-CN" sz="2000" b="1">
+              <a:rPr lang="en-US" altLang="zh-CN" sz="2000" b="1" dirty="0">
                 <a:latin typeface="Courier New" panose="02070309020205020404" pitchFamily="49" charset="0"/>
               </a:rPr>
               <a:t>// be equivalent with</a:t>
@@ -17351,7 +17405,7 @@
               <a:buFont typeface="Wingdings" panose="05000000000000000000" pitchFamily="2" charset="2"/>
               <a:buNone/>
             </a:pPr>
-            <a:endParaRPr lang="en-US" altLang="zh-CN" sz="2000" b="1">
+            <a:endParaRPr lang="en-US" altLang="zh-CN" sz="2000" b="1" dirty="0">
               <a:latin typeface="Courier New" panose="02070309020205020404" pitchFamily="49" charset="0"/>
             </a:endParaRPr>
           </a:p>
@@ -17364,13 +17418,13 @@
               <a:buNone/>
             </a:pPr>
             <a:r>
-              <a:rPr lang="en-US" altLang="zh-CN" sz="2000" b="1">
+              <a:rPr lang="en-US" altLang="zh-CN" sz="2000" b="1" dirty="0">
                 <a:solidFill>
                   <a:schemeClr val="folHlink"/>
                 </a:solidFill>
                 <a:latin typeface="Courier New" panose="02070309020205020404" pitchFamily="49" charset="0"/>
               </a:rPr>
-              <a:t>if (0 == a) {</a:t>
+              <a:t>if(0 == a) {</a:t>
             </a:r>
           </a:p>
           <a:p>
@@ -17382,7 +17436,7 @@
               <a:buNone/>
             </a:pPr>
             <a:r>
-              <a:rPr lang="en-US" altLang="zh-CN" sz="2000" b="1">
+              <a:rPr lang="en-US" altLang="zh-CN" sz="2000" b="1" dirty="0">
                 <a:solidFill>
                   <a:schemeClr val="folHlink"/>
                 </a:solidFill>
@@ -17400,7 +17454,7 @@
               <a:buNone/>
             </a:pPr>
             <a:r>
-              <a:rPr lang="en-US" altLang="zh-CN" sz="2000" b="1">
+              <a:rPr lang="en-US" altLang="zh-CN" sz="2000" b="1" dirty="0">
                 <a:solidFill>
                   <a:schemeClr val="folHlink"/>
                 </a:solidFill>
@@ -17418,12 +17472,12 @@
               <a:buNone/>
             </a:pPr>
             <a:r>
-              <a:rPr lang="en-US" altLang="zh-CN" sz="2000" b="1">
+              <a:rPr lang="en-US" altLang="zh-CN" sz="2000" b="1" dirty="0">
                 <a:latin typeface="Courier New" panose="02070309020205020404" pitchFamily="49" charset="0"/>
               </a:rPr>
               <a:t>// we’d see more examples later</a:t>
             </a:r>
-            <a:endParaRPr lang="en-US" altLang="zh-CN" sz="2000"/>
+            <a:endParaRPr lang="en-US" altLang="zh-CN" sz="2000" dirty="0"/>
           </a:p>
         </p:txBody>
       </p:sp>
@@ -21780,7 +21834,7 @@
               <a:buNone/>
             </a:pPr>
             <a:r>
-              <a:rPr lang="en-US" altLang="zh-CN" sz="2000" b="1">
+              <a:rPr lang="en-US" altLang="zh-CN" sz="2000" b="1" dirty="0">
                 <a:latin typeface="Courier New" panose="02070309020205020404" pitchFamily="49" charset="0"/>
               </a:rPr>
               <a:t>// count num of 1’s in an integer x</a:t>
@@ -21795,13 +21849,13 @@
               <a:buNone/>
             </a:pPr>
             <a:r>
-              <a:rPr lang="en-US" altLang="zh-CN" sz="2000" b="1">
+              <a:rPr lang="en-US" altLang="zh-CN" sz="2000" b="1" dirty="0">
                 <a:solidFill>
                   <a:schemeClr val="folHlink"/>
                 </a:solidFill>
                 <a:latin typeface="Courier New" panose="02070309020205020404" pitchFamily="49" charset="0"/>
               </a:rPr>
-              <a:t>int count (int x)</a:t>
+              <a:t>int count(int x){</a:t>
             </a:r>
           </a:p>
           <a:p>
@@ -21813,13 +21867,13 @@
               <a:buNone/>
             </a:pPr>
             <a:r>
-              <a:rPr lang="en-US" altLang="zh-CN" sz="2000" b="1">
+              <a:rPr lang="en-US" altLang="zh-CN" sz="2000" b="1" dirty="0">
                 <a:solidFill>
                   <a:schemeClr val="folHlink"/>
                 </a:solidFill>
                 <a:latin typeface="Courier New" panose="02070309020205020404" pitchFamily="49" charset="0"/>
               </a:rPr>
-              <a:t>{</a:t>
+              <a:t>	int num = 0;</a:t>
             </a:r>
           </a:p>
           <a:p>
@@ -21831,13 +21885,13 @@
               <a:buNone/>
             </a:pPr>
             <a:r>
-              <a:rPr lang="en-US" altLang="zh-CN" sz="2000" b="1">
+              <a:rPr lang="en-US" altLang="zh-CN" sz="2000" b="1" dirty="0">
                 <a:solidFill>
                   <a:schemeClr val="folHlink"/>
                 </a:solidFill>
                 <a:latin typeface="Courier New" panose="02070309020205020404" pitchFamily="49" charset="0"/>
               </a:rPr>
-              <a:t>	int num = 0;</a:t>
+              <a:t>	unsigned int y = (unsigned int)x;</a:t>
             </a:r>
           </a:p>
           <a:p>
@@ -21848,15 +21902,12 @@
               <a:buFont typeface="Wingdings" panose="05000000000000000000" pitchFamily="2" charset="2"/>
               <a:buNone/>
             </a:pPr>
-            <a:r>
-              <a:rPr lang="en-US" altLang="zh-CN" sz="2000" b="1">
-                <a:solidFill>
-                  <a:schemeClr val="folHlink"/>
-                </a:solidFill>
-                <a:latin typeface="Courier New" panose="02070309020205020404" pitchFamily="49" charset="0"/>
-              </a:rPr>
-              <a:t>	unsigned int y = (unsigned int)x;</a:t>
-            </a:r>
+            <a:endParaRPr lang="en-US" altLang="zh-CN" sz="2000" b="1" dirty="0">
+              <a:solidFill>
+                <a:schemeClr val="folHlink"/>
+              </a:solidFill>
+              <a:latin typeface="Courier New" panose="02070309020205020404" pitchFamily="49" charset="0"/>
+            </a:endParaRPr>
           </a:p>
           <a:p>
             <a:pPr>
@@ -21866,12 +21917,15 @@
               <a:buFont typeface="Wingdings" panose="05000000000000000000" pitchFamily="2" charset="2"/>
               <a:buNone/>
             </a:pPr>
-            <a:endParaRPr lang="en-US" altLang="zh-CN" sz="2000" b="1">
-              <a:solidFill>
-                <a:schemeClr val="folHlink"/>
-              </a:solidFill>
-              <a:latin typeface="Courier New" panose="02070309020205020404" pitchFamily="49" charset="0"/>
-            </a:endParaRPr>
+            <a:r>
+              <a:rPr lang="en-US" altLang="zh-CN" sz="2000" b="1" dirty="0">
+                <a:solidFill>
+                  <a:schemeClr val="folHlink"/>
+                </a:solidFill>
+                <a:latin typeface="Courier New" panose="02070309020205020404" pitchFamily="49" charset="0"/>
+              </a:rPr>
+              <a:t>	while(y){</a:t>
+            </a:r>
           </a:p>
           <a:p>
             <a:pPr>
@@ -21882,13 +21936,13 @@
               <a:buNone/>
             </a:pPr>
             <a:r>
-              <a:rPr lang="en-US" altLang="zh-CN" sz="2000" b="1">
+              <a:rPr lang="en-US" altLang="zh-CN" sz="2000" b="1" dirty="0">
                 <a:solidFill>
                   <a:schemeClr val="folHlink"/>
                 </a:solidFill>
                 <a:latin typeface="Courier New" panose="02070309020205020404" pitchFamily="49" charset="0"/>
               </a:rPr>
-              <a:t>	while (y) {</a:t>
+              <a:t>	  if(y &amp; 0x1)</a:t>
             </a:r>
           </a:p>
           <a:p>
@@ -21900,13 +21954,13 @@
               <a:buNone/>
             </a:pPr>
             <a:r>
-              <a:rPr lang="en-US" altLang="zh-CN" sz="2000" b="1">
+              <a:rPr lang="en-US" altLang="zh-CN" sz="2000" b="1" dirty="0">
                 <a:solidFill>
                   <a:schemeClr val="folHlink"/>
                 </a:solidFill>
                 <a:latin typeface="Courier New" panose="02070309020205020404" pitchFamily="49" charset="0"/>
               </a:rPr>
-              <a:t>	  if (y &amp; 0x1)</a:t>
+              <a:t>	    num++;</a:t>
             </a:r>
           </a:p>
           <a:p>
@@ -21918,13 +21972,13 @@
               <a:buNone/>
             </a:pPr>
             <a:r>
-              <a:rPr lang="en-US" altLang="zh-CN" sz="2000" b="1">
+              <a:rPr lang="en-US" altLang="zh-CN" sz="2000" b="1" dirty="0">
                 <a:solidFill>
                   <a:schemeClr val="folHlink"/>
                 </a:solidFill>
                 <a:latin typeface="Courier New" panose="02070309020205020404" pitchFamily="49" charset="0"/>
               </a:rPr>
-              <a:t>	    num++;</a:t>
+              <a:t>	  y &gt;&gt;= 1;</a:t>
             </a:r>
           </a:p>
           <a:p>
@@ -21936,13 +21990,13 @@
               <a:buNone/>
             </a:pPr>
             <a:r>
-              <a:rPr lang="en-US" altLang="zh-CN" sz="2000" b="1">
+              <a:rPr lang="en-US" altLang="zh-CN" sz="2000" b="1" dirty="0">
                 <a:solidFill>
                   <a:schemeClr val="folHlink"/>
                 </a:solidFill>
                 <a:latin typeface="Courier New" panose="02070309020205020404" pitchFamily="49" charset="0"/>
               </a:rPr>
-              <a:t>	  y &gt;&gt;= 1;</a:t>
+              <a:t>	}</a:t>
             </a:r>
           </a:p>
           <a:p>
@@ -21954,13 +22008,13 @@
               <a:buNone/>
             </a:pPr>
             <a:r>
-              <a:rPr lang="en-US" altLang="zh-CN" sz="2000" b="1">
+              <a:rPr lang="en-US" altLang="zh-CN" sz="2000" b="1" dirty="0">
                 <a:solidFill>
                   <a:schemeClr val="folHlink"/>
                 </a:solidFill>
                 <a:latin typeface="Courier New" panose="02070309020205020404" pitchFamily="49" charset="0"/>
               </a:rPr>
-              <a:t>	}</a:t>
+              <a:t>	return num;</a:t>
             </a:r>
           </a:p>
           <a:p>
@@ -21972,25 +22026,7 @@
               <a:buNone/>
             </a:pPr>
             <a:r>
-              <a:rPr lang="en-US" altLang="zh-CN" sz="2000" b="1">
-                <a:solidFill>
-                  <a:schemeClr val="folHlink"/>
-                </a:solidFill>
-                <a:latin typeface="Courier New" panose="02070309020205020404" pitchFamily="49" charset="0"/>
-              </a:rPr>
-              <a:t>	return num;</a:t>
-            </a:r>
-          </a:p>
-          <a:p>
-            <a:pPr>
-              <a:lnSpc>
-                <a:spcPct val="90000"/>
-              </a:lnSpc>
-              <a:buFont typeface="Wingdings" panose="05000000000000000000" pitchFamily="2" charset="2"/>
-              <a:buNone/>
-            </a:pPr>
-            <a:r>
-              <a:rPr lang="en-US" altLang="zh-CN" sz="2000" b="1">
+              <a:rPr lang="en-US" altLang="zh-CN" sz="2000" b="1" dirty="0">
                 <a:solidFill>
                   <a:schemeClr val="folHlink"/>
                 </a:solidFill>
@@ -22190,7 +22226,7 @@
           <a:lstStyle/>
           <a:p>
             <a:r>
-              <a:rPr lang="en-US" altLang="zh-CN" sz="2800"/>
+              <a:rPr lang="en-US" altLang="zh-CN" sz="2800" dirty="0"/>
               <a:t>Assignment is a special kind of expression, so the following code fragment is legal</a:t>
             </a:r>
           </a:p>
@@ -22200,9 +22236,9 @@
               <a:buNone/>
             </a:pPr>
             <a:r>
-              <a:rPr lang="en-US" altLang="zh-CN" sz="2000" b="1">
+              <a:rPr lang="en-US" altLang="zh-CN" sz="2000" b="1" dirty="0">
                 <a:solidFill>
-                  <a:schemeClr val="folHlink"/>
+                  <a:srgbClr val="0432FF"/>
                 </a:solidFill>
                 <a:latin typeface="Courier New" panose="02070309020205020404" pitchFamily="49" charset="0"/>
               </a:rPr>
@@ -22215,22 +22251,31 @@
               <a:buNone/>
             </a:pPr>
             <a:r>
-              <a:rPr lang="en-US" altLang="zh-CN" sz="2000" b="1">
+              <a:rPr lang="en-US" altLang="zh-CN" sz="2000" b="1" dirty="0" err="1">
                 <a:solidFill>
-                  <a:schemeClr val="folHlink"/>
+                  <a:srgbClr val="0432FF"/>
                 </a:solidFill>
                 <a:latin typeface="Courier New" panose="02070309020205020404" pitchFamily="49" charset="0"/>
               </a:rPr>
-              <a:t>printf (“%d\n”, x=999);</a:t>
-            </a:r>
-          </a:p>
-          <a:p>
-            <a:r>
-              <a:rPr lang="en-US" altLang="zh-CN" sz="2800"/>
+              <a:t>printf</a:t>
+            </a:r>
+            <a:r>
+              <a:rPr lang="en-US" altLang="zh-CN" sz="2000" b="1" dirty="0">
+                <a:solidFill>
+                  <a:srgbClr val="0432FF"/>
+                </a:solidFill>
+                <a:latin typeface="Courier New" panose="02070309020205020404" pitchFamily="49" charset="0"/>
+              </a:rPr>
+              <a:t>(“%d\n”, x=999);</a:t>
+            </a:r>
+          </a:p>
+          <a:p>
+            <a:r>
+              <a:rPr lang="en-US" altLang="zh-CN" sz="2800" dirty="0"/>
               <a:t>Other kind of assignment expressions are of the form: </a:t>
             </a:r>
             <a:r>
-              <a:rPr lang="en-US" altLang="zh-CN" sz="2800">
+              <a:rPr lang="en-US" altLang="zh-CN" sz="2800" dirty="0">
                 <a:solidFill>
                   <a:schemeClr val="folHlink"/>
                 </a:solidFill>
@@ -22238,7 +22283,7 @@
               <a:t>e1 </a:t>
             </a:r>
             <a:r>
-              <a:rPr lang="en-US" altLang="zh-CN" sz="2800" i="1">
+              <a:rPr lang="en-US" altLang="zh-CN" sz="2800" i="1" dirty="0">
                 <a:solidFill>
                   <a:schemeClr val="folHlink"/>
                 </a:solidFill>
@@ -22246,7 +22291,7 @@
               <a:t>op=</a:t>
             </a:r>
             <a:r>
-              <a:rPr lang="en-US" altLang="zh-CN" sz="2800">
+              <a:rPr lang="en-US" altLang="zh-CN" sz="2800" dirty="0">
                 <a:solidFill>
                   <a:schemeClr val="folHlink"/>
                 </a:solidFill>
@@ -22257,11 +22302,11 @@
           <a:p>
             <a:pPr lvl="1"/>
             <a:r>
-              <a:rPr lang="en-US" altLang="zh-CN" sz="2400"/>
+              <a:rPr lang="en-US" altLang="zh-CN" sz="2400" dirty="0"/>
               <a:t>Equivalent to: </a:t>
             </a:r>
             <a:r>
-              <a:rPr lang="en-US" altLang="zh-CN" sz="2400">
+              <a:rPr lang="en-US" altLang="zh-CN" sz="2400" dirty="0">
                 <a:solidFill>
                   <a:schemeClr val="folHlink"/>
                 </a:solidFill>
@@ -22272,11 +22317,11 @@
           <a:p>
             <a:pPr lvl="1"/>
             <a:r>
-              <a:rPr lang="en-US" altLang="zh-CN" sz="2400"/>
+              <a:rPr lang="en-US" altLang="zh-CN" sz="2400" dirty="0"/>
               <a:t>Example: </a:t>
             </a:r>
             <a:r>
-              <a:rPr lang="en-US" altLang="zh-CN" sz="2400">
+              <a:rPr lang="en-US" altLang="zh-CN" sz="2400" dirty="0">
                 <a:solidFill>
                   <a:schemeClr val="folHlink"/>
                 </a:solidFill>
@@ -22287,11 +22332,11 @@
           <a:p>
             <a:pPr lvl="1"/>
             <a:r>
-              <a:rPr lang="en-US" altLang="zh-CN" sz="2400"/>
+              <a:rPr lang="en-US" altLang="zh-CN" sz="2400" dirty="0"/>
               <a:t>See the text for a complete list of </a:t>
             </a:r>
             <a:r>
-              <a:rPr lang="en-US" altLang="zh-CN" sz="2400" i="1"/>
+              <a:rPr lang="en-US" altLang="zh-CN" sz="2400" i="1" dirty="0"/>
               <a:t>op</a:t>
             </a:r>
           </a:p>
@@ -22376,7 +22421,7 @@
               <a:buNone/>
             </a:pPr>
             <a:r>
-              <a:rPr lang="en-US" altLang="zh-CN" sz="2000" b="1">
+              <a:rPr lang="en-US" altLang="zh-CN" sz="2000" b="1" dirty="0">
                 <a:latin typeface="Courier New" panose="02070309020205020404" pitchFamily="49" charset="0"/>
               </a:rPr>
               <a:t>// more examples on assignment operators:</a:t>
@@ -22388,7 +22433,7 @@
               <a:buNone/>
             </a:pPr>
             <a:r>
-              <a:rPr lang="en-US" altLang="zh-CN" sz="2000" b="1">
+              <a:rPr lang="en-US" altLang="zh-CN" sz="2000" b="1" dirty="0">
                 <a:solidFill>
                   <a:schemeClr val="folHlink"/>
                 </a:solidFill>
@@ -22403,7 +22448,7 @@
               <a:buNone/>
             </a:pPr>
             <a:r>
-              <a:rPr lang="en-US" altLang="zh-CN" sz="2000" b="1">
+              <a:rPr lang="en-US" altLang="zh-CN" sz="2000" b="1" dirty="0">
                 <a:solidFill>
                   <a:schemeClr val="folHlink"/>
                 </a:solidFill>
@@ -22418,7 +22463,7 @@
               <a:buNone/>
             </a:pPr>
             <a:r>
-              <a:rPr lang="en-US" altLang="zh-CN" sz="2000" b="1">
+              <a:rPr lang="en-US" altLang="zh-CN" sz="2000" b="1" dirty="0">
                 <a:solidFill>
                   <a:schemeClr val="folHlink"/>
                 </a:solidFill>
@@ -22433,7 +22478,7 @@
               <a:buNone/>
             </a:pPr>
             <a:r>
-              <a:rPr lang="en-US" altLang="zh-CN" sz="2000" b="1">
+              <a:rPr lang="en-US" altLang="zh-CN" sz="2000" b="1" dirty="0">
                 <a:solidFill>
                   <a:schemeClr val="folHlink"/>
                 </a:solidFill>
@@ -22447,7 +22492,7 @@
               <a:buFont typeface="Wingdings" panose="05000000000000000000" pitchFamily="2" charset="2"/>
               <a:buNone/>
             </a:pPr>
-            <a:endParaRPr lang="en-US" altLang="zh-CN" sz="2000" b="1">
+            <a:endParaRPr lang="en-US" altLang="zh-CN" sz="2000" b="1" dirty="0">
               <a:latin typeface="Courier New" panose="02070309020205020404" pitchFamily="49" charset="0"/>
             </a:endParaRPr>
           </a:p>
@@ -22457,7 +22502,7 @@
               <a:buNone/>
             </a:pPr>
             <a:r>
-              <a:rPr lang="en-US" altLang="zh-CN" sz="2000" b="1">
+              <a:rPr lang="en-US" altLang="zh-CN" sz="2000" b="1" dirty="0">
                 <a:latin typeface="Courier New" panose="02070309020205020404" pitchFamily="49" charset="0"/>
               </a:rPr>
               <a:t>// even as the arguments of function calls:</a:t>
@@ -22469,7 +22514,7 @@
               <a:buNone/>
             </a:pPr>
             <a:r>
-              <a:rPr lang="en-US" altLang="zh-CN" sz="2000" b="1">
+              <a:rPr lang="en-US" altLang="zh-CN" sz="2000" b="1" dirty="0">
                 <a:solidFill>
                   <a:schemeClr val="folHlink"/>
                 </a:solidFill>
@@ -22484,13 +22529,13 @@
               <a:buNone/>
             </a:pPr>
             <a:r>
-              <a:rPr lang="en-US" altLang="zh-CN" sz="2000" b="1">
+              <a:rPr lang="en-US" altLang="zh-CN" sz="2000" b="1" dirty="0">
                 <a:solidFill>
                   <a:schemeClr val="folHlink"/>
                 </a:solidFill>
                 <a:latin typeface="Courier New" panose="02070309020205020404" pitchFamily="49" charset="0"/>
               </a:rPr>
-              <a:t>x = sum (a = 1, b = 2);</a:t>
+              <a:t>x = sum(a = 1, b = 2);</a:t>
             </a:r>
           </a:p>
         </p:txBody>
@@ -22577,13 +22622,13 @@
               <a:buNone/>
             </a:pPr>
             <a:r>
-              <a:rPr lang="en-US" altLang="zh-CN" sz="2000" b="1">
+              <a:rPr lang="en-US" altLang="zh-CN" sz="2000" b="1" dirty="0">
                 <a:solidFill>
                   <a:schemeClr val="folHlink"/>
                 </a:solidFill>
                 <a:latin typeface="Courier New" panose="02070309020205020404" pitchFamily="49" charset="0"/>
               </a:rPr>
-              <a:t>if (a &gt; b)</a:t>
+              <a:t>if(a &gt; b)</a:t>
             </a:r>
           </a:p>
           <a:p>
@@ -22595,7 +22640,7 @@
               <a:buNone/>
             </a:pPr>
             <a:r>
-              <a:rPr lang="en-US" altLang="zh-CN" sz="2000" b="1">
+              <a:rPr lang="en-US" altLang="zh-CN" sz="2000" b="1" dirty="0">
                 <a:solidFill>
                   <a:schemeClr val="folHlink"/>
                 </a:solidFill>
@@ -22613,7 +22658,7 @@
               <a:buNone/>
             </a:pPr>
             <a:r>
-              <a:rPr lang="en-US" altLang="zh-CN" sz="2000" b="1">
+              <a:rPr lang="en-US" altLang="zh-CN" sz="2000" b="1" dirty="0">
                 <a:solidFill>
                   <a:schemeClr val="folHlink"/>
                 </a:solidFill>
@@ -22631,7 +22676,7 @@
               <a:buNone/>
             </a:pPr>
             <a:r>
-              <a:rPr lang="en-US" altLang="zh-CN" sz="2000" b="1">
+              <a:rPr lang="en-US" altLang="zh-CN" sz="2000" b="1" dirty="0">
                 <a:solidFill>
                   <a:schemeClr val="folHlink"/>
                 </a:solidFill>
@@ -22648,7 +22693,7 @@
               <a:buFont typeface="Wingdings" panose="05000000000000000000" pitchFamily="2" charset="2"/>
               <a:buNone/>
             </a:pPr>
-            <a:endParaRPr lang="en-US" altLang="zh-CN" sz="2000" b="1">
+            <a:endParaRPr lang="en-US" altLang="zh-CN" sz="2000" b="1" dirty="0">
               <a:latin typeface="Courier New" panose="02070309020205020404" pitchFamily="49" charset="0"/>
             </a:endParaRPr>
           </a:p>
@@ -22661,7 +22706,7 @@
               <a:buNone/>
             </a:pPr>
             <a:r>
-              <a:rPr lang="en-US" altLang="zh-CN" sz="2000" b="1">
+              <a:rPr lang="en-US" altLang="zh-CN" sz="2000" b="1" dirty="0">
                 <a:latin typeface="Courier New" panose="02070309020205020404" pitchFamily="49" charset="0"/>
               </a:rPr>
               <a:t>// C provides a more succinct way to do this:</a:t>
@@ -22676,13 +22721,13 @@
               <a:buNone/>
             </a:pPr>
             <a:r>
-              <a:rPr lang="en-US" altLang="zh-CN" sz="2000" b="1">
+              <a:rPr lang="en-US" altLang="zh-CN" sz="2000" b="1" dirty="0">
                 <a:solidFill>
                   <a:schemeClr val="folHlink"/>
                 </a:solidFill>
                 <a:latin typeface="Courier New" panose="02070309020205020404" pitchFamily="49" charset="0"/>
               </a:rPr>
-              <a:t>max = (a&gt;b) ? a : b;</a:t>
+              <a:t>max = (a&gt;b)? a: b;</a:t>
             </a:r>
           </a:p>
           <a:p>
@@ -22693,7 +22738,7 @@
               <a:buFont typeface="Wingdings" panose="05000000000000000000" pitchFamily="2" charset="2"/>
               <a:buNone/>
             </a:pPr>
-            <a:endParaRPr lang="en-US" altLang="zh-CN" sz="2000" b="1">
+            <a:endParaRPr lang="en-US" altLang="zh-CN" sz="2000" b="1" dirty="0">
               <a:latin typeface="Courier New" panose="02070309020205020404" pitchFamily="49" charset="0"/>
             </a:endParaRPr>
           </a:p>
@@ -22706,7 +22751,7 @@
               <a:buNone/>
             </a:pPr>
             <a:r>
-              <a:rPr lang="en-US" altLang="zh-CN" sz="2000" b="1">
+              <a:rPr lang="en-US" altLang="zh-CN" sz="2000" b="1" dirty="0">
                 <a:latin typeface="Courier New" panose="02070309020205020404" pitchFamily="49" charset="0"/>
               </a:rPr>
               <a:t>// the general form is:</a:t>
@@ -22721,13 +22766,13 @@
               <a:buNone/>
             </a:pPr>
             <a:r>
-              <a:rPr lang="en-US" altLang="zh-CN" sz="2000" b="1">
+              <a:rPr lang="en-US" altLang="zh-CN" sz="2000" b="1" dirty="0">
                 <a:solidFill>
                   <a:schemeClr val="folHlink"/>
                 </a:solidFill>
                 <a:latin typeface="Courier New" panose="02070309020205020404" pitchFamily="49" charset="0"/>
               </a:rPr>
-              <a:t>e1 ? e2 : e3;</a:t>
+              <a:t>e1? e2: e3;</a:t>
             </a:r>
           </a:p>
           <a:p>
@@ -22738,7 +22783,7 @@
               <a:buFont typeface="Wingdings" panose="05000000000000000000" pitchFamily="2" charset="2"/>
               <a:buNone/>
             </a:pPr>
-            <a:endParaRPr lang="en-US" altLang="zh-CN" sz="2000" b="1">
+            <a:endParaRPr lang="en-US" altLang="zh-CN" sz="2000" b="1" dirty="0">
               <a:solidFill>
                 <a:schemeClr val="folHlink"/>
               </a:solidFill>
@@ -22754,7 +22799,7 @@
               <a:buNone/>
             </a:pPr>
             <a:r>
-              <a:rPr lang="en-US" altLang="zh-CN" sz="2000" b="1">
+              <a:rPr lang="en-US" altLang="zh-CN" sz="2000" b="1" dirty="0">
                 <a:latin typeface="Courier New" panose="02070309020205020404" pitchFamily="49" charset="0"/>
               </a:rPr>
               <a:t>// if e1 evaluates to true, then evaluates e2,</a:t>
@@ -22769,7 +22814,7 @@
               <a:buNone/>
             </a:pPr>
             <a:r>
-              <a:rPr lang="en-US" altLang="zh-CN" sz="2000" b="1">
+              <a:rPr lang="en-US" altLang="zh-CN" sz="2000" b="1" dirty="0">
                 <a:latin typeface="Courier New" panose="02070309020205020404" pitchFamily="49" charset="0"/>
               </a:rPr>
               <a:t>// else evaluates e3.</a:t>
@@ -22857,7 +22902,7 @@
               </a:lnSpc>
             </a:pPr>
             <a:r>
-              <a:rPr lang="en-US" altLang="zh-CN"/>
+              <a:rPr lang="en-US" altLang="zh-CN" dirty="0"/>
               <a:t>When the type of some expression is not compatible with the one expected, automatic type conversion occurs</a:t>
             </a:r>
           </a:p>
@@ -22868,7 +22913,7 @@
               </a:lnSpc>
             </a:pPr>
             <a:r>
-              <a:rPr lang="en-US" altLang="zh-CN"/>
+              <a:rPr lang="en-US" altLang="zh-CN" dirty="0"/>
               <a:t>Example from our previous code:</a:t>
             </a:r>
           </a:p>
@@ -22880,7 +22925,7 @@
               <a:buFont typeface="Wingdings" panose="05000000000000000000" pitchFamily="2" charset="2"/>
               <a:buNone/>
             </a:pPr>
-            <a:endParaRPr lang="en-US" altLang="zh-CN"/>
+            <a:endParaRPr lang="en-US" altLang="zh-CN" dirty="0"/>
           </a:p>
           <a:p>
             <a:pPr>
@@ -22891,7 +22936,7 @@
               <a:buNone/>
             </a:pPr>
             <a:r>
-              <a:rPr lang="en-US" altLang="zh-CN" sz="2000" b="1">
+              <a:rPr lang="en-US" altLang="zh-CN" sz="2000" b="1" dirty="0">
                 <a:latin typeface="Courier New" panose="02070309020205020404" pitchFamily="49" charset="0"/>
               </a:rPr>
               <a:t>// all of c, ‘0’ and ‘9’ are automatic converted</a:t>
@@ -22906,7 +22951,7 @@
               <a:buNone/>
             </a:pPr>
             <a:r>
-              <a:rPr lang="en-US" altLang="zh-CN" sz="2000" b="1">
+              <a:rPr lang="en-US" altLang="zh-CN" sz="2000" b="1" dirty="0">
                 <a:latin typeface="Courier New" panose="02070309020205020404" pitchFamily="49" charset="0"/>
               </a:rPr>
               <a:t>// into integer values by the compiler:</a:t>
@@ -22921,13 +22966,13 @@
               <a:buNone/>
             </a:pPr>
             <a:r>
-              <a:rPr lang="en-US" altLang="zh-CN" sz="2000" b="1">
+              <a:rPr lang="en-US" altLang="zh-CN" sz="2000" b="1" dirty="0">
                 <a:solidFill>
                   <a:schemeClr val="folHlink"/>
                 </a:solidFill>
                 <a:latin typeface="Courier New" panose="02070309020205020404" pitchFamily="49" charset="0"/>
               </a:rPr>
-              <a:t>if ((c&gt;=‘0’) &amp;&amp; (c&lt;=‘9’))</a:t>
+              <a:t>if((c&gt;=‘0’) &amp;&amp; (c&lt;=‘9’))</a:t>
             </a:r>
           </a:p>
           <a:p>
@@ -22939,7 +22984,7 @@
               <a:buNone/>
             </a:pPr>
             <a:r>
-              <a:rPr lang="en-US" altLang="zh-CN" sz="2000" b="1">
+              <a:rPr lang="en-US" altLang="zh-CN" sz="2000" b="1" dirty="0">
                 <a:solidFill>
                   <a:schemeClr val="folHlink"/>
                 </a:solidFill>
@@ -23950,7 +23995,7 @@
               <a:buNone/>
             </a:pPr>
             <a:r>
-              <a:rPr lang="en-US" altLang="zh-CN" sz="2000" b="1">
+              <a:rPr lang="en-US" altLang="zh-CN" sz="2000" b="1" dirty="0">
                 <a:latin typeface="Courier New" panose="02070309020205020404" pitchFamily="49" charset="0"/>
               </a:rPr>
               <a:t>// Dirty simple? However, it’s more subtle than</a:t>
@@ -23965,7 +24010,7 @@
               <a:buNone/>
             </a:pPr>
             <a:r>
-              <a:rPr lang="en-US" altLang="zh-CN" sz="2000" b="1">
+              <a:rPr lang="en-US" altLang="zh-CN" sz="2000" b="1" dirty="0">
                 <a:latin typeface="Courier New" panose="02070309020205020404" pitchFamily="49" charset="0"/>
               </a:rPr>
               <a:t>// it first looks. Consider:</a:t>
@@ -23980,13 +24025,31 @@
               <a:buNone/>
             </a:pPr>
             <a:r>
-              <a:rPr lang="en-US" altLang="zh-CN" sz="2000" b="1">
+              <a:rPr lang="en-US" altLang="zh-CN" sz="2000" b="1" dirty="0">
                 <a:solidFill>
                   <a:schemeClr val="folHlink"/>
                 </a:solidFill>
                 <a:latin typeface="Courier New" panose="02070309020205020404" pitchFamily="49" charset="0"/>
               </a:rPr>
-              <a:t>#include &lt;stdio.h&gt;</a:t>
+              <a:t>#include &lt;</a:t>
+            </a:r>
+            <a:r>
+              <a:rPr lang="en-US" altLang="zh-CN" sz="2000" b="1" dirty="0" err="1">
+                <a:solidFill>
+                  <a:schemeClr val="folHlink"/>
+                </a:solidFill>
+                <a:latin typeface="Courier New" panose="02070309020205020404" pitchFamily="49" charset="0"/>
+              </a:rPr>
+              <a:t>stdio.h</a:t>
+            </a:r>
+            <a:r>
+              <a:rPr lang="en-US" altLang="zh-CN" sz="2000" b="1" dirty="0">
+                <a:solidFill>
+                  <a:schemeClr val="folHlink"/>
+                </a:solidFill>
+                <a:latin typeface="Courier New" panose="02070309020205020404" pitchFamily="49" charset="0"/>
+              </a:rPr>
+              <a:t>&gt;</a:t>
             </a:r>
           </a:p>
           <a:p>
@@ -23998,13 +24061,13 @@
               <a:buNone/>
             </a:pPr>
             <a:r>
-              <a:rPr lang="en-US" altLang="zh-CN" sz="2000" b="1">
+              <a:rPr lang="en-US" altLang="zh-CN" sz="2000" b="1" dirty="0">
                 <a:solidFill>
                   <a:schemeClr val="folHlink"/>
                 </a:solidFill>
                 <a:latin typeface="Courier New" panose="02070309020205020404" pitchFamily="49" charset="0"/>
               </a:rPr>
-              <a:t>int main ()</a:t>
+              <a:t>int main (){</a:t>
             </a:r>
           </a:p>
           <a:p>
@@ -24016,13 +24079,31 @@
               <a:buNone/>
             </a:pPr>
             <a:r>
-              <a:rPr lang="en-US" altLang="zh-CN" sz="2000" b="1">
+              <a:rPr lang="en-US" altLang="zh-CN" sz="2000" b="1" dirty="0">
                 <a:solidFill>
                   <a:schemeClr val="folHlink"/>
                 </a:solidFill>
                 <a:latin typeface="Courier New" panose="02070309020205020404" pitchFamily="49" charset="0"/>
               </a:rPr>
-              <a:t>{</a:t>
+              <a:t>  int </a:t>
+            </a:r>
+            <a:r>
+              <a:rPr lang="en-US" altLang="zh-CN" sz="2000" b="1" dirty="0" err="1">
+                <a:solidFill>
+                  <a:schemeClr val="folHlink"/>
+                </a:solidFill>
+                <a:latin typeface="Courier New" panose="02070309020205020404" pitchFamily="49" charset="0"/>
+              </a:rPr>
+              <a:t>i</a:t>
+            </a:r>
+            <a:r>
+              <a:rPr lang="en-US" altLang="zh-CN" sz="2000" b="1" dirty="0">
+                <a:solidFill>
+                  <a:schemeClr val="folHlink"/>
+                </a:solidFill>
+                <a:latin typeface="Courier New" panose="02070309020205020404" pitchFamily="49" charset="0"/>
+              </a:rPr>
+              <a:t> = -1;</a:t>
             </a:r>
           </a:p>
           <a:p>
@@ -24034,13 +24115,13 @@
               <a:buNone/>
             </a:pPr>
             <a:r>
-              <a:rPr lang="en-US" altLang="zh-CN" sz="2000" b="1">
+              <a:rPr lang="en-US" altLang="zh-CN" sz="2000" b="1" dirty="0">
                 <a:solidFill>
                   <a:schemeClr val="folHlink"/>
                 </a:solidFill>
                 <a:latin typeface="Courier New" panose="02070309020205020404" pitchFamily="49" charset="0"/>
               </a:rPr>
-              <a:t>  int i = -1;</a:t>
+              <a:t>  unsigned int j = 0;</a:t>
             </a:r>
           </a:p>
           <a:p>
@@ -24051,15 +24132,12 @@
               <a:buFont typeface="Wingdings" panose="05000000000000000000" pitchFamily="2" charset="2"/>
               <a:buNone/>
             </a:pPr>
-            <a:r>
-              <a:rPr lang="en-US" altLang="zh-CN" sz="2000" b="1">
-                <a:solidFill>
-                  <a:schemeClr val="folHlink"/>
-                </a:solidFill>
-                <a:latin typeface="Courier New" panose="02070309020205020404" pitchFamily="49" charset="0"/>
-              </a:rPr>
-              <a:t>  unsigned int j = 0;</a:t>
-            </a:r>
+            <a:endParaRPr lang="en-US" altLang="zh-CN" sz="2000" b="1" dirty="0">
+              <a:solidFill>
+                <a:schemeClr val="folHlink"/>
+              </a:solidFill>
+              <a:latin typeface="Courier New" panose="02070309020205020404" pitchFamily="49" charset="0"/>
+            </a:endParaRPr>
           </a:p>
           <a:p>
             <a:pPr>
@@ -24069,12 +24147,33 @@
               <a:buFont typeface="Wingdings" panose="05000000000000000000" pitchFamily="2" charset="2"/>
               <a:buNone/>
             </a:pPr>
-            <a:endParaRPr lang="en-US" altLang="zh-CN" sz="2000" b="1">
-              <a:solidFill>
-                <a:schemeClr val="folHlink"/>
-              </a:solidFill>
-              <a:latin typeface="Courier New" panose="02070309020205020404" pitchFamily="49" charset="0"/>
-            </a:endParaRPr>
+            <a:r>
+              <a:rPr lang="en-US" altLang="zh-CN" sz="2000" b="1" dirty="0">
+                <a:solidFill>
+                  <a:schemeClr val="folHlink"/>
+                </a:solidFill>
+                <a:latin typeface="Courier New" panose="02070309020205020404" pitchFamily="49" charset="0"/>
+              </a:rPr>
+              <a:t>  if(</a:t>
+            </a:r>
+            <a:r>
+              <a:rPr lang="en-US" altLang="zh-CN" sz="2000" b="1" dirty="0" err="1">
+                <a:solidFill>
+                  <a:schemeClr val="folHlink"/>
+                </a:solidFill>
+                <a:latin typeface="Courier New" panose="02070309020205020404" pitchFamily="49" charset="0"/>
+              </a:rPr>
+              <a:t>i</a:t>
+            </a:r>
+            <a:r>
+              <a:rPr lang="en-US" altLang="zh-CN" sz="2000" b="1" dirty="0">
+                <a:solidFill>
+                  <a:schemeClr val="folHlink"/>
+                </a:solidFill>
+                <a:latin typeface="Courier New" panose="02070309020205020404" pitchFamily="49" charset="0"/>
+              </a:rPr>
+              <a:t> &lt; j)</a:t>
+            </a:r>
           </a:p>
           <a:p>
             <a:pPr>
@@ -24085,13 +24184,31 @@
               <a:buNone/>
             </a:pPr>
             <a:r>
-              <a:rPr lang="en-US" altLang="zh-CN" sz="2000" b="1">
+              <a:rPr lang="en-US" altLang="zh-CN" sz="2000" b="1" dirty="0">
                 <a:solidFill>
                   <a:schemeClr val="folHlink"/>
                 </a:solidFill>
                 <a:latin typeface="Courier New" panose="02070309020205020404" pitchFamily="49" charset="0"/>
               </a:rPr>
-              <a:t>  if (i &lt; j)</a:t>
+              <a:t>    </a:t>
+            </a:r>
+            <a:r>
+              <a:rPr lang="en-US" altLang="zh-CN" sz="2000" b="1" dirty="0" err="1">
+                <a:solidFill>
+                  <a:schemeClr val="folHlink"/>
+                </a:solidFill>
+                <a:latin typeface="Courier New" panose="02070309020205020404" pitchFamily="49" charset="0"/>
+              </a:rPr>
+              <a:t>printf</a:t>
+            </a:r>
+            <a:r>
+              <a:rPr lang="en-US" altLang="zh-CN" sz="2000" b="1" dirty="0">
+                <a:solidFill>
+                  <a:schemeClr val="folHlink"/>
+                </a:solidFill>
+                <a:latin typeface="Courier New" panose="02070309020205020404" pitchFamily="49" charset="0"/>
+              </a:rPr>
+              <a:t> (“Never reach here, :-( \n”);</a:t>
             </a:r>
           </a:p>
           <a:p>
@@ -24103,13 +24220,13 @@
               <a:buNone/>
             </a:pPr>
             <a:r>
-              <a:rPr lang="en-US" altLang="zh-CN" sz="2000" b="1">
+              <a:rPr lang="en-US" altLang="zh-CN" sz="2000" b="1" dirty="0">
                 <a:solidFill>
                   <a:schemeClr val="folHlink"/>
                 </a:solidFill>
                 <a:latin typeface="Courier New" panose="02070309020205020404" pitchFamily="49" charset="0"/>
               </a:rPr>
-              <a:t>    printf (“Never reach here, :-( \n”);</a:t>
+              <a:t>  else </a:t>
             </a:r>
           </a:p>
           <a:p>
@@ -24121,13 +24238,31 @@
               <a:buNone/>
             </a:pPr>
             <a:r>
-              <a:rPr lang="en-US" altLang="zh-CN" sz="2000" b="1">
+              <a:rPr lang="en-US" altLang="zh-CN" sz="2000" b="1" dirty="0">
                 <a:solidFill>
                   <a:schemeClr val="folHlink"/>
                 </a:solidFill>
                 <a:latin typeface="Courier New" panose="02070309020205020404" pitchFamily="49" charset="0"/>
               </a:rPr>
-              <a:t>  else </a:t>
+              <a:t>    </a:t>
+            </a:r>
+            <a:r>
+              <a:rPr lang="en-US" altLang="zh-CN" sz="2000" b="1" dirty="0" err="1">
+                <a:solidFill>
+                  <a:schemeClr val="folHlink"/>
+                </a:solidFill>
+                <a:latin typeface="Courier New" panose="02070309020205020404" pitchFamily="49" charset="0"/>
+              </a:rPr>
+              <a:t>printf</a:t>
+            </a:r>
+            <a:r>
+              <a:rPr lang="en-US" altLang="zh-CN" sz="2000" b="1" dirty="0">
+                <a:solidFill>
+                  <a:schemeClr val="folHlink"/>
+                </a:solidFill>
+                <a:latin typeface="Courier New" panose="02070309020205020404" pitchFamily="49" charset="0"/>
+              </a:rPr>
+              <a:t> (“Shoot myself in the foot\n”);</a:t>
             </a:r>
           </a:p>
           <a:p>
@@ -24139,13 +24274,13 @@
               <a:buNone/>
             </a:pPr>
             <a:r>
-              <a:rPr lang="en-US" altLang="zh-CN" sz="2000" b="1">
+              <a:rPr lang="en-US" altLang="zh-CN" sz="2000" b="1" dirty="0">
                 <a:solidFill>
                   <a:schemeClr val="folHlink"/>
                 </a:solidFill>
                 <a:latin typeface="Courier New" panose="02070309020205020404" pitchFamily="49" charset="0"/>
               </a:rPr>
-              <a:t>    printf (“Shoot myself in the foot\n”);</a:t>
+              <a:t>  return 0;</a:t>
             </a:r>
           </a:p>
           <a:p>
@@ -24157,25 +24292,7 @@
               <a:buNone/>
             </a:pPr>
             <a:r>
-              <a:rPr lang="en-US" altLang="zh-CN" sz="2000" b="1">
-                <a:solidFill>
-                  <a:schemeClr val="folHlink"/>
-                </a:solidFill>
-                <a:latin typeface="Courier New" panose="02070309020205020404" pitchFamily="49" charset="0"/>
-              </a:rPr>
-              <a:t>  return 0;</a:t>
-            </a:r>
-          </a:p>
-          <a:p>
-            <a:pPr>
-              <a:lnSpc>
-                <a:spcPct val="90000"/>
-              </a:lnSpc>
-              <a:buFont typeface="Wingdings" panose="05000000000000000000" pitchFamily="2" charset="2"/>
-              <a:buNone/>
-            </a:pPr>
-            <a:r>
-              <a:rPr lang="en-US" altLang="zh-CN" sz="2000" b="1">
+              <a:rPr lang="en-US" altLang="zh-CN" sz="2000" b="1" dirty="0">
                 <a:solidFill>
                   <a:schemeClr val="folHlink"/>
                 </a:solidFill>
@@ -24463,7 +24580,7 @@
           <a:lstStyle/>
           <a:p>
             <a:r>
-              <a:rPr lang="en-US" altLang="zh-CN" sz="2800"/>
+              <a:rPr lang="en-US" altLang="zh-CN" sz="2800" dirty="0"/>
               <a:t>General form of explicit type conversion:</a:t>
             </a:r>
           </a:p>
@@ -24479,7 +24596,7 @@
                 </a:solidFill>
                 <a:latin typeface="Courier New" panose="02070309020205020404" pitchFamily="49" charset="0"/>
               </a:rPr>
-              <a:t>(type) expression</a:t>
+              <a:t>(type)expression</a:t>
             </a:r>
           </a:p>
           <a:p>
@@ -24488,13 +24605,13 @@
               <a:buNone/>
             </a:pPr>
             <a:r>
-              <a:rPr lang="en-US" altLang="zh-CN" sz="2000" b="1">
+              <a:rPr lang="en-US" altLang="zh-CN" sz="2000" b="1" dirty="0">
                 <a:latin typeface="Courier New" panose="02070309020205020404" pitchFamily="49" charset="0"/>
               </a:rPr>
               <a:t>// which converts the expression’s type to </a:t>
             </a:r>
             <a:r>
-              <a:rPr lang="en-US" altLang="zh-CN" sz="2000" b="1" i="1">
+              <a:rPr lang="en-US" altLang="zh-CN" sz="2000" b="1" i="1" dirty="0">
                 <a:latin typeface="Courier New" panose="02070309020205020404" pitchFamily="49" charset="0"/>
               </a:rPr>
               <a:t>type</a:t>
@@ -24506,7 +24623,7 @@
               <a:buNone/>
             </a:pPr>
             <a:r>
-              <a:rPr lang="en-US" altLang="zh-CN" sz="2000" b="1">
+              <a:rPr lang="en-US" altLang="zh-CN" sz="2000" b="1" dirty="0">
                 <a:latin typeface="Courier New" panose="02070309020205020404" pitchFamily="49" charset="0"/>
               </a:rPr>
               <a:t>// More examples:</a:t>
@@ -24518,28 +24635,31 @@
               <a:buNone/>
             </a:pPr>
             <a:r>
-              <a:rPr lang="en-US" altLang="zh-CN" sz="2000" b="1">
+              <a:rPr lang="en-US" altLang="zh-CN" sz="2000" b="1" dirty="0">
                 <a:solidFill>
                   <a:schemeClr val="folHlink"/>
                 </a:solidFill>
                 <a:latin typeface="Courier New" panose="02070309020205020404" pitchFamily="49" charset="0"/>
               </a:rPr>
-              <a:t>int i = (int)3333.14;</a:t>
-            </a:r>
-          </a:p>
-          <a:p>
-            <a:pPr>
-              <a:buFont typeface="Wingdings" panose="05000000000000000000" pitchFamily="2" charset="2"/>
-              <a:buNone/>
-            </a:pPr>
-            <a:r>
-              <a:rPr lang="en-US" altLang="zh-CN" sz="2000" b="1">
+              <a:t>int </a:t>
+            </a:r>
+            <a:r>
+              <a:rPr lang="en-US" altLang="zh-CN" sz="2000" b="1" dirty="0" err="1">
                 <a:solidFill>
                   <a:schemeClr val="folHlink"/>
                 </a:solidFill>
                 <a:latin typeface="Courier New" panose="02070309020205020404" pitchFamily="49" charset="0"/>
               </a:rPr>
-              <a:t>char c = (char)i;</a:t>
+              <a:t>i</a:t>
+            </a:r>
+            <a:r>
+              <a:rPr lang="en-US" altLang="zh-CN" sz="2000" b="1" dirty="0">
+                <a:solidFill>
+                  <a:schemeClr val="folHlink"/>
+                </a:solidFill>
+                <a:latin typeface="Courier New" panose="02070309020205020404" pitchFamily="49" charset="0"/>
+              </a:rPr>
+              <a:t> = (int)3333.14;</a:t>
             </a:r>
           </a:p>
           <a:p>
@@ -24548,7 +24668,40 @@
               <a:buNone/>
             </a:pPr>
             <a:r>
-              <a:rPr lang="en-US" altLang="zh-CN" sz="2000" b="1">
+              <a:rPr lang="en-US" altLang="zh-CN" sz="2000" b="1" dirty="0">
+                <a:solidFill>
+                  <a:schemeClr val="folHlink"/>
+                </a:solidFill>
+                <a:latin typeface="Courier New" panose="02070309020205020404" pitchFamily="49" charset="0"/>
+              </a:rPr>
+              <a:t>char c = (char)</a:t>
+            </a:r>
+            <a:r>
+              <a:rPr lang="en-US" altLang="zh-CN" sz="2000" b="1" dirty="0" err="1">
+                <a:solidFill>
+                  <a:schemeClr val="folHlink"/>
+                </a:solidFill>
+                <a:latin typeface="Courier New" panose="02070309020205020404" pitchFamily="49" charset="0"/>
+              </a:rPr>
+              <a:t>i</a:t>
+            </a:r>
+            <a:r>
+              <a:rPr lang="en-US" altLang="zh-CN" sz="2000" b="1" dirty="0">
+                <a:solidFill>
+                  <a:schemeClr val="folHlink"/>
+                </a:solidFill>
+                <a:latin typeface="Courier New" panose="02070309020205020404" pitchFamily="49" charset="0"/>
+              </a:rPr>
+              <a:t>;</a:t>
+            </a:r>
+          </a:p>
+          <a:p>
+            <a:pPr>
+              <a:buFont typeface="Wingdings" panose="05000000000000000000" pitchFamily="2" charset="2"/>
+              <a:buNone/>
+            </a:pPr>
+            <a:r>
+              <a:rPr lang="en-US" altLang="zh-CN" sz="2000" b="1" dirty="0">
                 <a:solidFill>
                   <a:schemeClr val="folHlink"/>
                 </a:solidFill>
@@ -24563,7 +24716,7 @@
               <a:buNone/>
             </a:pPr>
             <a:r>
-              <a:rPr lang="en-US" altLang="zh-CN" sz="2000" b="1">
+              <a:rPr lang="en-US" altLang="zh-CN" sz="2000" b="1" dirty="0">
                 <a:solidFill>
                   <a:schemeClr val="folHlink"/>
                 </a:solidFill>
@@ -24574,7 +24727,7 @@
           </a:p>
           <a:p>
             <a:r>
-              <a:rPr lang="en-US" altLang="zh-CN" sz="2800"/>
+              <a:rPr lang="en-US" altLang="zh-CN" sz="2800" dirty="0"/>
               <a:t>As we see, data precision may be changed</a:t>
             </a:r>
           </a:p>
@@ -34139,7 +34292,7 @@
               </a:lnSpc>
             </a:pPr>
             <a:r>
-              <a:rPr lang="en-US" altLang="zh-CN" sz="2800"/>
+              <a:rPr lang="en-US" altLang="zh-CN" sz="2800" dirty="0"/>
               <a:t>C obeys the variable use-after-declaration rule</a:t>
             </a:r>
           </a:p>
@@ -34150,7 +34303,7 @@
               </a:lnSpc>
             </a:pPr>
             <a:r>
-              <a:rPr lang="en-US" altLang="zh-CN" sz="2800"/>
+              <a:rPr lang="en-US" altLang="zh-CN" sz="2800" dirty="0"/>
               <a:t>Variable declarations consists of these parts:</a:t>
             </a:r>
           </a:p>
@@ -34161,7 +34314,7 @@
               </a:lnSpc>
             </a:pPr>
             <a:r>
-              <a:rPr lang="en-US" altLang="zh-CN" sz="2400"/>
+              <a:rPr lang="en-US" altLang="zh-CN" sz="2400" dirty="0"/>
               <a:t>Type name</a:t>
             </a:r>
           </a:p>
@@ -34172,7 +34325,7 @@
               </a:lnSpc>
             </a:pPr>
             <a:r>
-              <a:rPr lang="en-US" altLang="zh-CN" sz="2400"/>
+              <a:rPr lang="en-US" altLang="zh-CN" sz="2400" dirty="0"/>
               <a:t>Variable list (may only one)</a:t>
             </a:r>
           </a:p>
@@ -34183,7 +34336,7 @@
               </a:lnSpc>
             </a:pPr>
             <a:r>
-              <a:rPr lang="en-US" altLang="zh-CN" sz="2400"/>
+              <a:rPr lang="en-US" altLang="zh-CN" sz="2400" dirty="0"/>
               <a:t>initialization</a:t>
             </a:r>
           </a:p>
@@ -34194,47 +34347,47 @@
               </a:lnSpc>
             </a:pPr>
             <a:r>
-              <a:rPr lang="en-US" altLang="zh-CN" sz="2400"/>
+              <a:rPr lang="en-US" altLang="zh-CN" sz="2400" dirty="0"/>
               <a:t>Ex: </a:t>
             </a:r>
             <a:r>
-              <a:rPr lang="en-US" altLang="zh-CN" sz="2400">
+              <a:rPr lang="en-US" altLang="zh-CN" sz="2400" dirty="0">
                 <a:solidFill>
-                  <a:schemeClr val="folHlink"/>
+                  <a:srgbClr val="0432FF"/>
                 </a:solidFill>
               </a:rPr>
               <a:t>int x, y, z;   double f;  char c = </a:t>
             </a:r>
             <a:r>
-              <a:rPr lang="en-US" altLang="zh-CN" sz="2400">
+              <a:rPr lang="en-US" altLang="zh-CN" sz="2400" dirty="0">
                 <a:solidFill>
-                  <a:schemeClr val="folHlink"/>
+                  <a:srgbClr val="0432FF"/>
                 </a:solidFill>
                 <a:latin typeface="Arial" panose="020B0604020202020204" pitchFamily="34" charset="0"/>
               </a:rPr>
               <a:t>‘</a:t>
             </a:r>
             <a:r>
-              <a:rPr lang="en-US" altLang="zh-CN" sz="2400">
+              <a:rPr lang="en-US" altLang="zh-CN" sz="2400" dirty="0">
                 <a:solidFill>
-                  <a:schemeClr val="folHlink"/>
+                  <a:srgbClr val="0432FF"/>
                 </a:solidFill>
               </a:rPr>
               <a:t>c</a:t>
             </a:r>
             <a:r>
-              <a:rPr lang="en-US" altLang="zh-CN" sz="2400">
+              <a:rPr lang="en-US" altLang="zh-CN" sz="2400" dirty="0">
                 <a:solidFill>
-                  <a:schemeClr val="folHlink"/>
+                  <a:srgbClr val="0432FF"/>
                 </a:solidFill>
                 <a:latin typeface="Arial" panose="020B0604020202020204" pitchFamily="34" charset="0"/>
               </a:rPr>
               <a:t>’</a:t>
             </a:r>
             <a:r>
-              <a:rPr lang="en-US" altLang="zh-CN" sz="2400">
+              <a:rPr lang="en-US" altLang="zh-CN" sz="2400" dirty="0">
                 <a:solidFill>
-                  <a:schemeClr val="folHlink"/>
+                  <a:srgbClr val="0432FF"/>
                 </a:solidFill>
               </a:rPr>
               <a:t>;</a:t>
@@ -34247,7 +34400,7 @@
               </a:lnSpc>
             </a:pPr>
             <a:r>
-              <a:rPr lang="en-US" altLang="zh-CN" sz="2800"/>
+              <a:rPr lang="en-US" altLang="zh-CN" sz="2800" dirty="0"/>
               <a:t>Type qualifiers:</a:t>
             </a:r>
           </a:p>
@@ -34258,7 +34411,7 @@
               </a:lnSpc>
             </a:pPr>
             <a:r>
-              <a:rPr lang="en-US" altLang="zh-CN" sz="2400"/>
+              <a:rPr lang="en-US" altLang="zh-CN" sz="2400" dirty="0"/>
               <a:t>signed, unsigned (default is signed), const</a:t>
             </a:r>
           </a:p>

--- a/courses/sysprog/slides/lec03-exp.pptx
+++ b/courses/sysprog/slides/lec03-exp.pptx
@@ -6057,10 +6057,12 @@
               <a:buFont typeface="Wingdings" panose="05000000000000000000" pitchFamily="2" charset="2"/>
               <a:buNone/>
             </a:pPr>
-            <a:endParaRPr lang="en-US" altLang="zh-CN">
+            <a:endParaRPr lang="en-US" altLang="zh-CN" b="1" dirty="0">
               <a:solidFill>
-                <a:schemeClr val="folHlink"/>
+                <a:srgbClr val="0432FF"/>
               </a:solidFill>
+              <a:latin typeface="Courier New" panose="02070309020205020404" pitchFamily="49" charset="0"/>
+              <a:cs typeface="Courier New" panose="02070309020205020404" pitchFamily="49" charset="0"/>
             </a:endParaRPr>
           </a:p>
           <a:p>
@@ -6069,12 +6071,34 @@
               <a:buNone/>
             </a:pPr>
             <a:r>
-              <a:rPr lang="en-US" altLang="zh-CN">
+              <a:rPr lang="en-US" altLang="zh-CN" b="1" dirty="0">
                 <a:solidFill>
-                  <a:schemeClr val="folHlink"/>
+                  <a:srgbClr val="0432FF"/>
                 </a:solidFill>
+                <a:latin typeface="Courier New" panose="02070309020205020404" pitchFamily="49" charset="0"/>
+                <a:cs typeface="Courier New" panose="02070309020205020404" pitchFamily="49" charset="0"/>
               </a:rPr>
-              <a:t>int i, j;</a:t>
+              <a:t>int </a:t>
+            </a:r>
+            <a:r>
+              <a:rPr lang="en-US" altLang="zh-CN" b="1" dirty="0" err="1">
+                <a:solidFill>
+                  <a:srgbClr val="0432FF"/>
+                </a:solidFill>
+                <a:latin typeface="Courier New" panose="02070309020205020404" pitchFamily="49" charset="0"/>
+                <a:cs typeface="Courier New" panose="02070309020205020404" pitchFamily="49" charset="0"/>
+              </a:rPr>
+              <a:t>i</a:t>
+            </a:r>
+            <a:r>
+              <a:rPr lang="en-US" altLang="zh-CN" b="1" dirty="0">
+                <a:solidFill>
+                  <a:srgbClr val="0432FF"/>
+                </a:solidFill>
+                <a:latin typeface="Courier New" panose="02070309020205020404" pitchFamily="49" charset="0"/>
+                <a:cs typeface="Courier New" panose="02070309020205020404" pitchFamily="49" charset="0"/>
+              </a:rPr>
+              <a:t>, j;</a:t>
             </a:r>
           </a:p>
           <a:p>
@@ -6083,12 +6107,24 @@
               <a:buNone/>
             </a:pPr>
             <a:r>
-              <a:rPr lang="en-US" altLang="zh-CN">
+              <a:rPr lang="en-US" altLang="zh-CN" b="1" dirty="0" err="1">
                 <a:solidFill>
-                  <a:schemeClr val="folHlink"/>
+                  <a:srgbClr val="0432FF"/>
                 </a:solidFill>
+                <a:latin typeface="Courier New" panose="02070309020205020404" pitchFamily="49" charset="0"/>
+                <a:cs typeface="Courier New" panose="02070309020205020404" pitchFamily="49" charset="0"/>
               </a:rPr>
-              <a:t>i = 9;</a:t>
+              <a:t>i</a:t>
+            </a:r>
+            <a:r>
+              <a:rPr lang="en-US" altLang="zh-CN" b="1" dirty="0">
+                <a:solidFill>
+                  <a:srgbClr val="0432FF"/>
+                </a:solidFill>
+                <a:latin typeface="Courier New" panose="02070309020205020404" pitchFamily="49" charset="0"/>
+                <a:cs typeface="Courier New" panose="02070309020205020404" pitchFamily="49" charset="0"/>
+              </a:rPr>
+              <a:t> = 9;</a:t>
             </a:r>
           </a:p>
           <a:p>
@@ -6096,10 +6132,12 @@
               <a:buFont typeface="Wingdings" panose="05000000000000000000" pitchFamily="2" charset="2"/>
               <a:buNone/>
             </a:pPr>
-            <a:endParaRPr lang="en-US" altLang="zh-CN">
+            <a:endParaRPr lang="en-US" altLang="zh-CN" b="1" dirty="0">
               <a:solidFill>
-                <a:schemeClr val="folHlink"/>
+                <a:srgbClr val="0432FF"/>
               </a:solidFill>
+              <a:latin typeface="Courier New" panose="02070309020205020404" pitchFamily="49" charset="0"/>
+              <a:cs typeface="Courier New" panose="02070309020205020404" pitchFamily="49" charset="0"/>
             </a:endParaRPr>
           </a:p>
           <a:p>
@@ -6108,10 +6146,12 @@
               <a:buNone/>
             </a:pPr>
             <a:r>
-              <a:rPr lang="en-US" altLang="zh-CN">
+              <a:rPr lang="en-US" altLang="zh-CN" b="1" dirty="0">
                 <a:solidFill>
-                  <a:schemeClr val="folHlink"/>
+                  <a:srgbClr val="0432FF"/>
                 </a:solidFill>
+                <a:latin typeface="Courier New" panose="02070309020205020404" pitchFamily="49" charset="0"/>
+                <a:cs typeface="Courier New" panose="02070309020205020404" pitchFamily="49" charset="0"/>
               </a:rPr>
               <a:t>int a[5];</a:t>
             </a:r>
@@ -6121,7 +6161,13 @@
               <a:buFont typeface="Wingdings" panose="05000000000000000000" pitchFamily="2" charset="2"/>
               <a:buNone/>
             </a:pPr>
-            <a:endParaRPr lang="en-US" altLang="zh-CN"/>
+            <a:endParaRPr lang="en-US" altLang="zh-CN" b="1" dirty="0">
+              <a:solidFill>
+                <a:srgbClr val="0432FF"/>
+              </a:solidFill>
+              <a:latin typeface="Courier New" panose="02070309020205020404" pitchFamily="49" charset="0"/>
+              <a:cs typeface="Courier New" panose="02070309020205020404" pitchFamily="49" charset="0"/>
+            </a:endParaRPr>
           </a:p>
         </p:txBody>
       </p:sp>
@@ -6683,7 +6729,13 @@
               <a:buFont typeface="Wingdings" panose="05000000000000000000" pitchFamily="2" charset="2"/>
               <a:buNone/>
             </a:pPr>
-            <a:endParaRPr lang="en-US" altLang="zh-CN"/>
+            <a:endParaRPr lang="en-US" altLang="zh-CN" sz="2400" b="1" dirty="0">
+              <a:solidFill>
+                <a:srgbClr val="0432FF"/>
+              </a:solidFill>
+              <a:latin typeface="Courier New" panose="02070309020205020404" pitchFamily="49" charset="0"/>
+              <a:cs typeface="Courier New" panose="02070309020205020404" pitchFamily="49" charset="0"/>
+            </a:endParaRPr>
           </a:p>
           <a:p>
             <a:pPr>
@@ -6691,12 +6743,34 @@
               <a:buNone/>
             </a:pPr>
             <a:r>
-              <a:rPr lang="en-US" altLang="zh-CN">
+              <a:rPr lang="en-US" altLang="zh-CN" sz="2400" b="1" dirty="0">
                 <a:solidFill>
-                  <a:schemeClr val="folHlink"/>
+                  <a:srgbClr val="0432FF"/>
                 </a:solidFill>
+                <a:latin typeface="Courier New" panose="02070309020205020404" pitchFamily="49" charset="0"/>
+                <a:cs typeface="Courier New" panose="02070309020205020404" pitchFamily="49" charset="0"/>
               </a:rPr>
-              <a:t>int i, j;</a:t>
+              <a:t>int </a:t>
+            </a:r>
+            <a:r>
+              <a:rPr lang="en-US" altLang="zh-CN" sz="2400" b="1" dirty="0" err="1">
+                <a:solidFill>
+                  <a:srgbClr val="0432FF"/>
+                </a:solidFill>
+                <a:latin typeface="Courier New" panose="02070309020205020404" pitchFamily="49" charset="0"/>
+                <a:cs typeface="Courier New" panose="02070309020205020404" pitchFamily="49" charset="0"/>
+              </a:rPr>
+              <a:t>i</a:t>
+            </a:r>
+            <a:r>
+              <a:rPr lang="en-US" altLang="zh-CN" sz="2400" b="1" dirty="0">
+                <a:solidFill>
+                  <a:srgbClr val="0432FF"/>
+                </a:solidFill>
+                <a:latin typeface="Courier New" panose="02070309020205020404" pitchFamily="49" charset="0"/>
+                <a:cs typeface="Courier New" panose="02070309020205020404" pitchFamily="49" charset="0"/>
+              </a:rPr>
+              <a:t>, j;</a:t>
             </a:r>
           </a:p>
           <a:p>
@@ -6705,12 +6779,24 @@
               <a:buNone/>
             </a:pPr>
             <a:r>
-              <a:rPr lang="en-US" altLang="zh-CN">
+              <a:rPr lang="en-US" altLang="zh-CN" sz="2400" b="1" dirty="0" err="1">
                 <a:solidFill>
-                  <a:schemeClr val="folHlink"/>
+                  <a:srgbClr val="0432FF"/>
                 </a:solidFill>
+                <a:latin typeface="Courier New" panose="02070309020205020404" pitchFamily="49" charset="0"/>
+                <a:cs typeface="Courier New" panose="02070309020205020404" pitchFamily="49" charset="0"/>
               </a:rPr>
-              <a:t>i = 9;</a:t>
+              <a:t>i</a:t>
+            </a:r>
+            <a:r>
+              <a:rPr lang="en-US" altLang="zh-CN" sz="2400" b="1" dirty="0">
+                <a:solidFill>
+                  <a:srgbClr val="0432FF"/>
+                </a:solidFill>
+                <a:latin typeface="Courier New" panose="02070309020205020404" pitchFamily="49" charset="0"/>
+                <a:cs typeface="Courier New" panose="02070309020205020404" pitchFamily="49" charset="0"/>
+              </a:rPr>
+              <a:t> = 9;</a:t>
             </a:r>
           </a:p>
           <a:p>
@@ -6718,10 +6804,12 @@
               <a:buFont typeface="Wingdings" panose="05000000000000000000" pitchFamily="2" charset="2"/>
               <a:buNone/>
             </a:pPr>
-            <a:endParaRPr lang="en-US" altLang="zh-CN">
+            <a:endParaRPr lang="en-US" altLang="zh-CN" sz="2400" b="1" dirty="0">
               <a:solidFill>
-                <a:schemeClr val="folHlink"/>
+                <a:srgbClr val="0432FF"/>
               </a:solidFill>
+              <a:latin typeface="Courier New" panose="02070309020205020404" pitchFamily="49" charset="0"/>
+              <a:cs typeface="Courier New" panose="02070309020205020404" pitchFamily="49" charset="0"/>
             </a:endParaRPr>
           </a:p>
           <a:p>
@@ -6730,10 +6818,12 @@
               <a:buNone/>
             </a:pPr>
             <a:r>
-              <a:rPr lang="en-US" altLang="zh-CN">
+              <a:rPr lang="en-US" altLang="zh-CN" sz="2400" b="1" dirty="0">
                 <a:solidFill>
-                  <a:schemeClr val="folHlink"/>
+                  <a:srgbClr val="0432FF"/>
                 </a:solidFill>
+                <a:latin typeface="Courier New" panose="02070309020205020404" pitchFamily="49" charset="0"/>
+                <a:cs typeface="Courier New" panose="02070309020205020404" pitchFamily="49" charset="0"/>
               </a:rPr>
               <a:t>int a[5];</a:t>
             </a:r>
@@ -6744,12 +6834,34 @@
               <a:buNone/>
             </a:pPr>
             <a:r>
-              <a:rPr lang="en-US" altLang="zh-CN">
+              <a:rPr lang="en-US" altLang="zh-CN" sz="2400" b="1" dirty="0">
                 <a:solidFill>
-                  <a:schemeClr val="folHlink"/>
+                  <a:srgbClr val="0432FF"/>
                 </a:solidFill>
+                <a:latin typeface="Courier New" panose="02070309020205020404" pitchFamily="49" charset="0"/>
+                <a:cs typeface="Courier New" panose="02070309020205020404" pitchFamily="49" charset="0"/>
               </a:rPr>
-              <a:t>for (int j=0; j&lt;5; j++)</a:t>
+              <a:t>for (int j=0; j&lt;5; </a:t>
+            </a:r>
+            <a:r>
+              <a:rPr lang="en-US" altLang="zh-CN" sz="2400" b="1" dirty="0" err="1">
+                <a:solidFill>
+                  <a:srgbClr val="0432FF"/>
+                </a:solidFill>
+                <a:latin typeface="Courier New" panose="02070309020205020404" pitchFamily="49" charset="0"/>
+                <a:cs typeface="Courier New" panose="02070309020205020404" pitchFamily="49" charset="0"/>
+              </a:rPr>
+              <a:t>j++</a:t>
+            </a:r>
+            <a:r>
+              <a:rPr lang="en-US" altLang="zh-CN" sz="2400" b="1" dirty="0">
+                <a:solidFill>
+                  <a:srgbClr val="0432FF"/>
+                </a:solidFill>
+                <a:latin typeface="Courier New" panose="02070309020205020404" pitchFamily="49" charset="0"/>
+                <a:cs typeface="Courier New" panose="02070309020205020404" pitchFamily="49" charset="0"/>
+              </a:rPr>
+              <a:t>)</a:t>
             </a:r>
           </a:p>
           <a:p>
@@ -6758,10 +6870,12 @@
               <a:buNone/>
             </a:pPr>
             <a:r>
-              <a:rPr lang="en-US" altLang="zh-CN">
+              <a:rPr lang="en-US" altLang="zh-CN" sz="2400" b="1" dirty="0">
                 <a:solidFill>
-                  <a:schemeClr val="folHlink"/>
+                  <a:srgbClr val="0432FF"/>
                 </a:solidFill>
+                <a:latin typeface="Courier New" panose="02070309020205020404" pitchFamily="49" charset="0"/>
+                <a:cs typeface="Courier New" panose="02070309020205020404" pitchFamily="49" charset="0"/>
               </a:rPr>
               <a:t>    a[j] = j*j;</a:t>
             </a:r>
@@ -7355,6 +7469,11 @@
           </p:cNvGraphicFramePr>
           <p:nvPr>
             <p:ph sz="half" idx="2"/>
+            <p:extLst>
+              <p:ext uri="{D42A27DB-BD31-4B8C-83A1-F6EECF244321}">
+                <p14:modId xmlns:p14="http://schemas.microsoft.com/office/powerpoint/2010/main" val="3076038184"/>
+              </p:ext>
+            </p:extLst>
           </p:nvPr>
         </p:nvGraphicFramePr>
         <p:xfrm>
@@ -8081,12 +8200,12 @@
                         <a:tabLst/>
                       </a:pPr>
                       <a:r>
-                        <a:rPr kumimoji="0" lang="en-US" altLang="zh-CN" sz="2800" b="0" i="0" u="none" strike="noStrike" cap="none" normalizeH="0" baseline="0">
+                        <a:rPr kumimoji="0" lang="en-US" altLang="zh-CN" sz="2800" b="0" i="0" u="none" strike="noStrike" cap="none" normalizeH="0" baseline="0" dirty="0">
                           <a:ln>
                             <a:noFill/>
                           </a:ln>
                           <a:solidFill>
-                            <a:schemeClr val="tx1"/>
+                            <a:srgbClr val="0432FF"/>
                           </a:solidFill>
                           <a:effectLst/>
                           <a:latin typeface="Tahoma" panose="020B0604030504040204" pitchFamily="34" charset="0"/>
@@ -8590,12 +8709,12 @@
                         <a:tabLst/>
                       </a:pPr>
                       <a:r>
-                        <a:rPr kumimoji="0" lang="en-US" altLang="zh-CN" sz="2800" b="0" i="0" u="none" strike="noStrike" cap="none" normalizeH="0" baseline="0">
+                        <a:rPr kumimoji="0" lang="en-US" altLang="zh-CN" sz="2800" b="0" i="0" u="none" strike="noStrike" cap="none" normalizeH="0" baseline="0" dirty="0">
                           <a:ln>
                             <a:noFill/>
                           </a:ln>
                           <a:solidFill>
-                            <a:schemeClr val="tx1"/>
+                            <a:srgbClr val="0432FF"/>
                           </a:solidFill>
                           <a:effectLst/>
                           <a:latin typeface="Tahoma" panose="020B0604030504040204" pitchFamily="34" charset="0"/>
@@ -9127,12 +9246,12 @@
                         <a:tabLst/>
                       </a:pPr>
                       <a:r>
-                        <a:rPr kumimoji="0" lang="en-US" altLang="zh-CN" sz="2800" b="0" i="0" u="none" strike="noStrike" cap="none" normalizeH="0" baseline="0">
+                        <a:rPr kumimoji="0" lang="en-US" altLang="zh-CN" sz="2800" b="0" i="0" u="none" strike="noStrike" cap="none" normalizeH="0" baseline="0" dirty="0">
                           <a:ln>
                             <a:noFill/>
                           </a:ln>
                           <a:solidFill>
-                            <a:schemeClr val="tx1"/>
+                            <a:srgbClr val="0432FF"/>
                           </a:solidFill>
                           <a:effectLst/>
                           <a:latin typeface="Tahoma" panose="020B0604030504040204" pitchFamily="34" charset="0"/>
@@ -9636,12 +9755,12 @@
                         <a:tabLst/>
                       </a:pPr>
                       <a:r>
-                        <a:rPr kumimoji="0" lang="en-US" altLang="zh-CN" sz="2800" b="0" i="0" u="none" strike="noStrike" cap="none" normalizeH="0" baseline="0">
+                        <a:rPr kumimoji="0" lang="en-US" altLang="zh-CN" sz="2800" b="0" i="0" u="none" strike="noStrike" cap="none" normalizeH="0" baseline="0" dirty="0">
                           <a:ln>
                             <a:noFill/>
                           </a:ln>
                           <a:solidFill>
-                            <a:schemeClr val="tx1"/>
+                            <a:srgbClr val="0432FF"/>
                           </a:solidFill>
                           <a:effectLst/>
                           <a:latin typeface="Tahoma" panose="020B0604030504040204" pitchFamily="34" charset="0"/>
@@ -10145,12 +10264,12 @@
                         <a:tabLst/>
                       </a:pPr>
                       <a:r>
-                        <a:rPr kumimoji="0" lang="en-US" altLang="zh-CN" sz="2800" b="0" i="0" u="none" strike="noStrike" cap="none" normalizeH="0" baseline="0">
+                        <a:rPr kumimoji="0" lang="en-US" altLang="zh-CN" sz="2800" b="0" i="0" u="none" strike="noStrike" cap="none" normalizeH="0" baseline="0" dirty="0">
                           <a:ln>
                             <a:noFill/>
                           </a:ln>
                           <a:solidFill>
-                            <a:schemeClr val="tx1"/>
+                            <a:srgbClr val="0432FF"/>
                           </a:solidFill>
                           <a:effectLst/>
                           <a:latin typeface="Tahoma" panose="020B0604030504040204" pitchFamily="34" charset="0"/>
@@ -10654,12 +10773,12 @@
                         <a:tabLst/>
                       </a:pPr>
                       <a:r>
-                        <a:rPr kumimoji="0" lang="en-US" altLang="zh-CN" sz="2800" b="0" i="0" u="none" strike="noStrike" cap="none" normalizeH="0" baseline="0">
+                        <a:rPr kumimoji="0" lang="en-US" altLang="zh-CN" sz="2800" b="0" i="0" u="none" strike="noStrike" cap="none" normalizeH="0" baseline="0" dirty="0">
                           <a:ln>
                             <a:noFill/>
                           </a:ln>
                           <a:solidFill>
-                            <a:schemeClr val="tx1"/>
+                            <a:srgbClr val="0432FF"/>
                           </a:solidFill>
                           <a:effectLst/>
                           <a:latin typeface="Tahoma" panose="020B0604030504040204" pitchFamily="34" charset="0"/>
@@ -11163,12 +11282,12 @@
                         <a:tabLst/>
                       </a:pPr>
                       <a:r>
-                        <a:rPr kumimoji="0" lang="en-US" altLang="zh-CN" sz="2800" b="0" i="0" u="none" strike="noStrike" cap="none" normalizeH="0" baseline="0">
+                        <a:rPr kumimoji="0" lang="en-US" altLang="zh-CN" sz="2800" b="0" i="0" u="none" strike="noStrike" cap="none" normalizeH="0" baseline="0" dirty="0">
                           <a:ln>
                             <a:noFill/>
                           </a:ln>
                           <a:solidFill>
-                            <a:schemeClr val="tx1"/>
+                            <a:srgbClr val="0432FF"/>
                           </a:solidFill>
                           <a:effectLst/>
                           <a:latin typeface="Tahoma" panose="020B0604030504040204" pitchFamily="34" charset="0"/>
@@ -11414,7 +11533,7 @@
                         <a:tabLst/>
                       </a:pPr>
                       <a:r>
-                        <a:rPr kumimoji="0" lang="en-US" altLang="zh-CN" sz="2800" b="0" i="0" u="none" strike="noStrike" cap="none" normalizeH="0" baseline="0">
+                        <a:rPr kumimoji="0" lang="en-US" altLang="zh-CN" sz="2800" b="0" i="0" u="none" strike="noStrike" cap="none" normalizeH="0" baseline="0" dirty="0">
                           <a:ln>
                             <a:noFill/>
                           </a:ln>
@@ -11592,6 +11711,11 @@
           </p:cNvGraphicFramePr>
           <p:nvPr>
             <p:ph sz="half" idx="2"/>
+            <p:extLst>
+              <p:ext uri="{D42A27DB-BD31-4B8C-83A1-F6EECF244321}">
+                <p14:modId xmlns:p14="http://schemas.microsoft.com/office/powerpoint/2010/main" val="2266360813"/>
+              </p:ext>
+            </p:extLst>
           </p:nvPr>
         </p:nvGraphicFramePr>
         <p:xfrm>
@@ -12318,12 +12442,12 @@
                         <a:tabLst/>
                       </a:pPr>
                       <a:r>
-                        <a:rPr kumimoji="0" lang="en-US" altLang="zh-CN" sz="2800" b="0" i="0" u="none" strike="noStrike" cap="none" normalizeH="0" baseline="0">
+                        <a:rPr kumimoji="0" lang="en-US" altLang="zh-CN" sz="2800" b="0" i="0" u="none" strike="noStrike" cap="none" normalizeH="0" baseline="0" dirty="0">
                           <a:ln>
                             <a:noFill/>
                           </a:ln>
                           <a:solidFill>
-                            <a:schemeClr val="tx1"/>
+                            <a:srgbClr val="0432FF"/>
                           </a:solidFill>
                           <a:effectLst/>
                           <a:latin typeface="Tahoma" panose="020B0604030504040204" pitchFamily="34" charset="0"/>
@@ -12827,12 +12951,12 @@
                         <a:tabLst/>
                       </a:pPr>
                       <a:r>
-                        <a:rPr kumimoji="0" lang="en-US" altLang="zh-CN" sz="2800" b="0" i="0" u="none" strike="noStrike" cap="none" normalizeH="0" baseline="0">
+                        <a:rPr kumimoji="0" lang="en-US" altLang="zh-CN" sz="2800" b="0" i="0" u="none" strike="noStrike" cap="none" normalizeH="0" baseline="0" dirty="0">
                           <a:ln>
                             <a:noFill/>
                           </a:ln>
                           <a:solidFill>
-                            <a:schemeClr val="tx1"/>
+                            <a:srgbClr val="0432FF"/>
                           </a:solidFill>
                           <a:effectLst/>
                           <a:latin typeface="Tahoma" panose="020B0604030504040204" pitchFamily="34" charset="0"/>
@@ -13336,12 +13460,12 @@
                         <a:tabLst/>
                       </a:pPr>
                       <a:r>
-                        <a:rPr kumimoji="0" lang="en-US" altLang="zh-CN" sz="2800" b="0" i="0" u="none" strike="noStrike" cap="none" normalizeH="0" baseline="0">
+                        <a:rPr kumimoji="0" lang="en-US" altLang="zh-CN" sz="2800" b="0" i="0" u="none" strike="noStrike" cap="none" normalizeH="0" baseline="0" dirty="0">
                           <a:ln>
                             <a:noFill/>
                           </a:ln>
                           <a:solidFill>
-                            <a:schemeClr val="tx1"/>
+                            <a:srgbClr val="0432FF"/>
                           </a:solidFill>
                           <a:effectLst/>
                           <a:latin typeface="Tahoma" panose="020B0604030504040204" pitchFamily="34" charset="0"/>
@@ -13845,12 +13969,12 @@
                         <a:tabLst/>
                       </a:pPr>
                       <a:r>
-                        <a:rPr kumimoji="0" lang="en-US" altLang="zh-CN" sz="2800" b="0" i="0" u="none" strike="noStrike" cap="none" normalizeH="0" baseline="0">
+                        <a:rPr kumimoji="0" lang="en-US" altLang="zh-CN" sz="2800" b="0" i="0" u="none" strike="noStrike" cap="none" normalizeH="0" baseline="0" dirty="0">
                           <a:ln>
                             <a:noFill/>
                           </a:ln>
                           <a:solidFill>
-                            <a:schemeClr val="tx1"/>
+                            <a:srgbClr val="0432FF"/>
                           </a:solidFill>
                           <a:effectLst/>
                           <a:latin typeface="Tahoma" panose="020B0604030504040204" pitchFamily="34" charset="0"/>
@@ -14354,12 +14478,12 @@
                         <a:tabLst/>
                       </a:pPr>
                       <a:r>
-                        <a:rPr kumimoji="0" lang="en-US" altLang="zh-CN" sz="2800" b="0" i="0" u="none" strike="noStrike" cap="none" normalizeH="0" baseline="0">
+                        <a:rPr kumimoji="0" lang="en-US" altLang="zh-CN" sz="2800" b="0" i="0" u="none" strike="noStrike" cap="none" normalizeH="0" baseline="0" dirty="0">
                           <a:ln>
                             <a:noFill/>
                           </a:ln>
                           <a:solidFill>
-                            <a:schemeClr val="tx1"/>
+                            <a:srgbClr val="0432FF"/>
                           </a:solidFill>
                           <a:effectLst/>
                           <a:latin typeface="Tahoma" panose="020B0604030504040204" pitchFamily="34" charset="0"/>
@@ -14863,12 +14987,12 @@
                         <a:tabLst/>
                       </a:pPr>
                       <a:r>
-                        <a:rPr kumimoji="0" lang="en-US" altLang="zh-CN" sz="2800" b="0" i="0" u="none" strike="noStrike" cap="none" normalizeH="0" baseline="0">
+                        <a:rPr kumimoji="0" lang="en-US" altLang="zh-CN" sz="2800" b="0" i="0" u="none" strike="noStrike" cap="none" normalizeH="0" baseline="0" dirty="0">
                           <a:ln>
                             <a:noFill/>
                           </a:ln>
                           <a:solidFill>
-                            <a:schemeClr val="tx1"/>
+                            <a:srgbClr val="0432FF"/>
                           </a:solidFill>
                           <a:effectLst/>
                           <a:latin typeface="Tahoma" panose="020B0604030504040204" pitchFamily="34" charset="0"/>
@@ -15372,12 +15496,12 @@
                         <a:tabLst/>
                       </a:pPr>
                       <a:r>
-                        <a:rPr kumimoji="0" lang="en-US" altLang="zh-CN" sz="2800" b="0" i="0" u="none" strike="noStrike" cap="none" normalizeH="0" baseline="0">
+                        <a:rPr kumimoji="0" lang="en-US" altLang="zh-CN" sz="2800" b="0" i="0" u="none" strike="noStrike" cap="none" normalizeH="0" baseline="0" dirty="0">
                           <a:ln>
                             <a:noFill/>
                           </a:ln>
                           <a:solidFill>
-                            <a:schemeClr val="tx1"/>
+                            <a:srgbClr val="0432FF"/>
                           </a:solidFill>
                           <a:effectLst/>
                           <a:latin typeface="Tahoma" panose="020B0604030504040204" pitchFamily="34" charset="0"/>
@@ -15881,12 +16005,12 @@
                         <a:tabLst/>
                       </a:pPr>
                       <a:r>
-                        <a:rPr kumimoji="0" lang="en-US" altLang="zh-CN" sz="2800" b="0" i="0" u="none" strike="noStrike" cap="none" normalizeH="0" baseline="0">
+                        <a:rPr kumimoji="0" lang="en-US" altLang="zh-CN" sz="2800" b="0" i="0" u="none" strike="noStrike" cap="none" normalizeH="0" baseline="0" dirty="0">
                           <a:ln>
                             <a:noFill/>
                           </a:ln>
                           <a:solidFill>
-                            <a:schemeClr val="tx1"/>
+                            <a:srgbClr val="0432FF"/>
                           </a:solidFill>
                           <a:effectLst/>
                           <a:latin typeface="Tahoma" panose="020B0604030504040204" pitchFamily="34" charset="0"/>
@@ -16390,12 +16514,12 @@
                         <a:tabLst/>
                       </a:pPr>
                       <a:r>
-                        <a:rPr kumimoji="0" lang="en-US" altLang="zh-CN" sz="2800" b="0" i="0" u="none" strike="noStrike" cap="none" normalizeH="0" baseline="0">
+                        <a:rPr kumimoji="0" lang="en-US" altLang="zh-CN" sz="2800" b="0" i="0" u="none" strike="noStrike" cap="none" normalizeH="0" baseline="0" dirty="0">
                           <a:ln>
                             <a:noFill/>
                           </a:ln>
                           <a:solidFill>
-                            <a:schemeClr val="tx1"/>
+                            <a:srgbClr val="0432FF"/>
                           </a:solidFill>
                           <a:effectLst/>
                           <a:latin typeface="Tahoma" panose="020B0604030504040204" pitchFamily="34" charset="0"/>
@@ -16641,7 +16765,7 @@
                         <a:tabLst/>
                       </a:pPr>
                       <a:r>
-                        <a:rPr kumimoji="0" lang="en-US" altLang="zh-CN" sz="2800" b="0" i="0" u="none" strike="noStrike" cap="none" normalizeH="0" baseline="0">
+                        <a:rPr kumimoji="0" lang="en-US" altLang="zh-CN" sz="2800" b="0" i="0" u="none" strike="noStrike" cap="none" normalizeH="0" baseline="0" dirty="0">
                           <a:ln>
                             <a:noFill/>
                           </a:ln>
@@ -16793,14 +16917,22 @@
           <a:p>
             <a:r>
               <a:rPr lang="en-US" altLang="zh-CN" dirty="0"/>
-              <a:t>Boolean operators are short-circuit</a:t>
+              <a:t>Boolean operators are </a:t>
+            </a:r>
+            <a:r>
+              <a:rPr lang="en-US" altLang="zh-CN" dirty="0">
+                <a:solidFill>
+                  <a:srgbClr val="0432FF"/>
+                </a:solidFill>
+              </a:rPr>
+              <a:t>short-circuit</a:t>
             </a:r>
           </a:p>
           <a:p>
             <a:pPr lvl="1"/>
             <a:r>
               <a:rPr lang="en-US" altLang="zh-CN" dirty="0"/>
-              <a:t>Computations stop as soon as true or false is known</a:t>
+              <a:t>Computations stop as soon as true or false is determined</a:t>
             </a:r>
           </a:p>
           <a:p>
@@ -17424,7 +17556,7 @@
                 </a:solidFill>
                 <a:latin typeface="Courier New" panose="02070309020205020404" pitchFamily="49" charset="0"/>
               </a:rPr>
-              <a:t>if(0 == a) {</a:t>
+              <a:t>if(0 == a){</a:t>
             </a:r>
           </a:p>
           <a:p>
@@ -24208,7 +24340,7 @@
                 </a:solidFill>
                 <a:latin typeface="Courier New" panose="02070309020205020404" pitchFamily="49" charset="0"/>
               </a:rPr>
-              <a:t> (“Never reach here, :-( \n”);</a:t>
+              <a:t>(“Never reach here, :-( \n”);</a:t>
             </a:r>
           </a:p>
           <a:p>
@@ -24262,7 +24394,7 @@
                 </a:solidFill>
                 <a:latin typeface="Courier New" panose="02070309020205020404" pitchFamily="49" charset="0"/>
               </a:rPr>
-              <a:t> (“Shoot myself in the foot\n”);</a:t>
+              <a:t>(“Shoot myself in the foot\n”);</a:t>
             </a:r>
           </a:p>
           <a:p>
@@ -24590,9 +24722,9 @@
               <a:buNone/>
             </a:pPr>
             <a:r>
-              <a:rPr lang="en-US" altLang="zh-CN" sz="2000" b="1">
+              <a:rPr lang="en-US" altLang="zh-CN" sz="2000" b="1" dirty="0">
                 <a:solidFill>
-                  <a:schemeClr val="folHlink"/>
+                  <a:srgbClr val="0432FF"/>
                 </a:solidFill>
                 <a:latin typeface="Courier New" panose="02070309020205020404" pitchFamily="49" charset="0"/>
               </a:rPr>
@@ -24637,7 +24769,7 @@
             <a:r>
               <a:rPr lang="en-US" altLang="zh-CN" sz="2000" b="1" dirty="0">
                 <a:solidFill>
-                  <a:schemeClr val="folHlink"/>
+                  <a:srgbClr val="0432FF"/>
                 </a:solidFill>
                 <a:latin typeface="Courier New" panose="02070309020205020404" pitchFamily="49" charset="0"/>
               </a:rPr>
@@ -24646,7 +24778,7 @@
             <a:r>
               <a:rPr lang="en-US" altLang="zh-CN" sz="2000" b="1" dirty="0" err="1">
                 <a:solidFill>
-                  <a:schemeClr val="folHlink"/>
+                  <a:srgbClr val="0432FF"/>
                 </a:solidFill>
                 <a:latin typeface="Courier New" panose="02070309020205020404" pitchFamily="49" charset="0"/>
               </a:rPr>
@@ -24655,7 +24787,7 @@
             <a:r>
               <a:rPr lang="en-US" altLang="zh-CN" sz="2000" b="1" dirty="0">
                 <a:solidFill>
-                  <a:schemeClr val="folHlink"/>
+                  <a:srgbClr val="0432FF"/>
                 </a:solidFill>
                 <a:latin typeface="Courier New" panose="02070309020205020404" pitchFamily="49" charset="0"/>
               </a:rPr>
@@ -24670,7 +24802,7 @@
             <a:r>
               <a:rPr lang="en-US" altLang="zh-CN" sz="2000" b="1" dirty="0">
                 <a:solidFill>
-                  <a:schemeClr val="folHlink"/>
+                  <a:srgbClr val="0432FF"/>
                 </a:solidFill>
                 <a:latin typeface="Courier New" panose="02070309020205020404" pitchFamily="49" charset="0"/>
               </a:rPr>
@@ -24679,7 +24811,7 @@
             <a:r>
               <a:rPr lang="en-US" altLang="zh-CN" sz="2000" b="1" dirty="0" err="1">
                 <a:solidFill>
-                  <a:schemeClr val="folHlink"/>
+                  <a:srgbClr val="0432FF"/>
                 </a:solidFill>
                 <a:latin typeface="Courier New" panose="02070309020205020404" pitchFamily="49" charset="0"/>
               </a:rPr>
@@ -24688,7 +24820,7 @@
             <a:r>
               <a:rPr lang="en-US" altLang="zh-CN" sz="2000" b="1" dirty="0">
                 <a:solidFill>
-                  <a:schemeClr val="folHlink"/>
+                  <a:srgbClr val="0432FF"/>
                 </a:solidFill>
                 <a:latin typeface="Courier New" panose="02070309020205020404" pitchFamily="49" charset="0"/>
               </a:rPr>
@@ -24703,7 +24835,7 @@
             <a:r>
               <a:rPr lang="en-US" altLang="zh-CN" sz="2000" b="1" dirty="0">
                 <a:solidFill>
-                  <a:schemeClr val="folHlink"/>
+                  <a:srgbClr val="0432FF"/>
                 </a:solidFill>
                 <a:latin typeface="Courier New" panose="02070309020205020404" pitchFamily="49" charset="0"/>
               </a:rPr>
@@ -24718,7 +24850,7 @@
             <a:r>
               <a:rPr lang="en-US" altLang="zh-CN" sz="2000" b="1" dirty="0">
                 <a:solidFill>
-                  <a:schemeClr val="folHlink"/>
+                  <a:srgbClr val="0432FF"/>
                 </a:solidFill>
                 <a:latin typeface="Courier New" panose="02070309020205020404" pitchFamily="49" charset="0"/>
               </a:rPr>
@@ -24813,8 +24945,16 @@
               </a:lnSpc>
             </a:pPr>
             <a:r>
-              <a:rPr lang="en-US" altLang="zh-CN" sz="2800"/>
-              <a:t>Type conversion is an infamous source of C programs bugs </a:t>
+              <a:rPr lang="en-US" altLang="zh-CN" sz="2800" dirty="0"/>
+              <a:t>Type conversion is an infamous source of bugs for</a:t>
+            </a:r>
+            <a:r>
+              <a:rPr lang="zh-CN" altLang="en-US" sz="2800" dirty="0"/>
+              <a:t> </a:t>
+            </a:r>
+            <a:r>
+              <a:rPr lang="en-US" altLang="zh-CN" sz="2800" dirty="0"/>
+              <a:t>C programs</a:t>
             </a:r>
           </a:p>
           <a:p>
@@ -24824,8 +24964,24 @@
               </a:lnSpc>
             </a:pPr>
             <a:r>
-              <a:rPr lang="en-US" altLang="zh-CN" sz="2400"/>
-              <a:t>especially with pointers</a:t>
+              <a:rPr lang="en-US" altLang="zh-CN" sz="2400" dirty="0"/>
+              <a:t>especially with programs</a:t>
+            </a:r>
+            <a:r>
+              <a:rPr lang="zh-CN" altLang="en-US" sz="2400" dirty="0"/>
+              <a:t> </a:t>
+            </a:r>
+            <a:r>
+              <a:rPr lang="en-US" altLang="zh-CN" sz="2400" dirty="0"/>
+              <a:t>with</a:t>
+            </a:r>
+            <a:r>
+              <a:rPr lang="zh-CN" altLang="en-US" sz="2400" dirty="0"/>
+              <a:t> </a:t>
+            </a:r>
+            <a:r>
+              <a:rPr lang="en-US" altLang="zh-CN" sz="2400" dirty="0"/>
+              <a:t>pointers</a:t>
             </a:r>
           </a:p>
           <a:p>
@@ -24835,16 +24991,28 @@
               </a:lnSpc>
             </a:pPr>
             <a:r>
-              <a:rPr lang="en-US" altLang="zh-CN" sz="2400"/>
-              <a:t>(int *)999 will send your passwd to BillG</a:t>
-            </a:r>
-            <a:r>
-              <a:rPr lang="en-US" altLang="zh-CN" sz="2400">
+              <a:rPr lang="en-US" altLang="zh-CN" sz="2400" dirty="0">
+                <a:solidFill>
+                  <a:srgbClr val="0432FF"/>
+                </a:solidFill>
+              </a:rPr>
+              <a:t>(int *)999 </a:t>
+            </a:r>
+            <a:r>
+              <a:rPr lang="en-US" altLang="zh-CN" sz="2400" dirty="0"/>
+              <a:t>will send your passwd to </a:t>
+            </a:r>
+            <a:r>
+              <a:rPr lang="en-US" altLang="zh-CN" sz="2400" dirty="0" err="1"/>
+              <a:t>BillG</a:t>
+            </a:r>
+            <a:r>
+              <a:rPr lang="en-US" altLang="zh-CN" sz="2400" dirty="0">
                 <a:latin typeface="Arial" panose="020B0604020202020204" pitchFamily="34" charset="0"/>
               </a:rPr>
               <a:t>…</a:t>
             </a:r>
-            <a:endParaRPr lang="en-US" altLang="zh-CN" sz="2400"/>
+            <a:endParaRPr lang="en-US" altLang="zh-CN" sz="2400" dirty="0"/>
           </a:p>
           <a:p>
             <a:pPr>
@@ -24853,7 +25021,7 @@
               </a:lnSpc>
             </a:pPr>
             <a:r>
-              <a:rPr lang="en-US" altLang="zh-CN" sz="2800"/>
+              <a:rPr lang="en-US" altLang="zh-CN" sz="2800" dirty="0"/>
               <a:t>Any serious and well-designed C program should use type conversion really rarely</a:t>
             </a:r>
           </a:p>
@@ -24864,8 +25032,8 @@
               </a:lnSpc>
             </a:pPr>
             <a:r>
-              <a:rPr lang="en-US" altLang="zh-CN" sz="2800"/>
-              <a:t>General principle: </a:t>
+              <a:rPr lang="en-US" altLang="zh-CN" sz="2800" dirty="0"/>
+              <a:t>General : </a:t>
             </a:r>
           </a:p>
           <a:p>
@@ -24875,8 +25043,8 @@
               </a:lnSpc>
             </a:pPr>
             <a:r>
-              <a:rPr lang="en-US" altLang="zh-CN" sz="2400"/>
-              <a:t>do NOT use it, </a:t>
+              <a:rPr lang="en-US" altLang="zh-CN" sz="2400" dirty="0"/>
+              <a:t>do NOT use it, principle</a:t>
             </a:r>
           </a:p>
           <a:p>
@@ -24886,7 +25054,7 @@
               </a:lnSpc>
             </a:pPr>
             <a:r>
-              <a:rPr lang="en-US" altLang="zh-CN" sz="2400"/>
+              <a:rPr lang="en-US" altLang="zh-CN" sz="2400" dirty="0"/>
               <a:t>always use the explicit form</a:t>
             </a:r>
           </a:p>
@@ -25249,6 +25417,11 @@
           </p:cNvGraphicFramePr>
           <p:nvPr>
             <p:ph sz="quarter" idx="3"/>
+            <p:extLst>
+              <p:ext uri="{D42A27DB-BD31-4B8C-83A1-F6EECF244321}">
+                <p14:modId xmlns:p14="http://schemas.microsoft.com/office/powerpoint/2010/main" val="921574364"/>
+              </p:ext>
+            </p:extLst>
           </p:nvPr>
         </p:nvGraphicFramePr>
         <p:xfrm>
@@ -26233,12 +26406,12 @@
                         <a:tabLst/>
                       </a:pPr>
                       <a:r>
-                        <a:rPr kumimoji="0" lang="en-US" altLang="zh-CN" sz="2800" b="0" i="0" u="none" strike="noStrike" cap="none" normalizeH="0" baseline="0">
+                        <a:rPr kumimoji="0" lang="en-US" altLang="zh-CN" sz="2800" b="0" i="0" u="none" strike="noStrike" cap="none" normalizeH="0" baseline="0" dirty="0">
                           <a:ln>
                             <a:noFill/>
                           </a:ln>
                           <a:solidFill>
-                            <a:schemeClr val="tx1"/>
+                            <a:srgbClr val="0432FF"/>
                           </a:solidFill>
                           <a:effectLst/>
                           <a:latin typeface="Tahoma" panose="020B0604030504040204" pitchFamily="34" charset="0"/>
@@ -27035,12 +27208,12 @@
                         <a:tabLst/>
                       </a:pPr>
                       <a:r>
-                        <a:rPr kumimoji="0" lang="en-US" altLang="zh-CN" sz="2800" b="0" i="0" u="none" strike="noStrike" cap="none" normalizeH="0" baseline="0">
+                        <a:rPr kumimoji="0" lang="en-US" altLang="zh-CN" sz="2800" b="0" i="0" u="none" strike="noStrike" cap="none" normalizeH="0" baseline="0" dirty="0">
                           <a:ln>
                             <a:noFill/>
                           </a:ln>
                           <a:solidFill>
-                            <a:schemeClr val="tx1"/>
+                            <a:srgbClr val="0432FF"/>
                           </a:solidFill>
                           <a:effectLst/>
                           <a:latin typeface="Tahoma" panose="020B0604030504040204" pitchFamily="34" charset="0"/>
@@ -27848,12 +28021,12 @@
                         <a:tabLst/>
                       </a:pPr>
                       <a:r>
-                        <a:rPr kumimoji="0" lang="en-US" altLang="zh-CN" sz="2800" b="0" i="0" u="none" strike="noStrike" cap="none" normalizeH="0" baseline="0">
+                        <a:rPr kumimoji="0" lang="en-US" altLang="zh-CN" sz="2800" b="0" i="0" u="none" strike="noStrike" cap="none" normalizeH="0" baseline="0" dirty="0">
                           <a:ln>
                             <a:noFill/>
                           </a:ln>
                           <a:solidFill>
-                            <a:schemeClr val="tx1"/>
+                            <a:srgbClr val="0432FF"/>
                           </a:solidFill>
                           <a:effectLst/>
                           <a:latin typeface="Tahoma" panose="020B0604030504040204" pitchFamily="34" charset="0"/>
@@ -28717,12 +28890,12 @@
                         <a:tabLst/>
                       </a:pPr>
                       <a:r>
-                        <a:rPr kumimoji="0" lang="en-US" altLang="zh-CN" sz="2800" b="0" i="0" u="none" strike="noStrike" cap="none" normalizeH="0" baseline="0">
+                        <a:rPr kumimoji="0" lang="en-US" altLang="zh-CN" sz="2800" b="0" i="0" u="none" strike="noStrike" cap="none" normalizeH="0" baseline="0" dirty="0">
                           <a:ln>
                             <a:noFill/>
                           </a:ln>
                           <a:solidFill>
-                            <a:schemeClr val="tx1"/>
+                            <a:srgbClr val="0432FF"/>
                           </a:solidFill>
                           <a:effectLst/>
                           <a:latin typeface="Tahoma" panose="020B0604030504040204" pitchFamily="34" charset="0"/>
@@ -29586,12 +29759,12 @@
                         <a:tabLst/>
                       </a:pPr>
                       <a:r>
-                        <a:rPr kumimoji="0" lang="en-US" altLang="zh-CN" sz="2800" b="0" i="0" u="none" strike="noStrike" cap="none" normalizeH="0" baseline="0">
+                        <a:rPr kumimoji="0" lang="en-US" altLang="zh-CN" sz="2800" b="0" i="0" u="none" strike="noStrike" cap="none" normalizeH="0" baseline="0" dirty="0">
                           <a:ln>
                             <a:noFill/>
                           </a:ln>
                           <a:solidFill>
-                            <a:schemeClr val="tx1"/>
+                            <a:srgbClr val="0432FF"/>
                           </a:solidFill>
                           <a:effectLst/>
                           <a:latin typeface="Tahoma" panose="020B0604030504040204" pitchFamily="34" charset="0"/>
@@ -30085,7 +30258,7 @@
                         <a:tabLst/>
                       </a:pPr>
                       <a:r>
-                        <a:rPr kumimoji="0" lang="en-US" altLang="zh-CN" sz="2800" b="0" i="0" u="none" strike="noStrike" cap="none" normalizeH="0" baseline="0">
+                        <a:rPr kumimoji="0" lang="en-US" altLang="zh-CN" sz="2800" b="0" i="0" u="none" strike="noStrike" cap="none" normalizeH="0" baseline="0" dirty="0">
                           <a:ln>
                             <a:noFill/>
                           </a:ln>
@@ -34496,9 +34669,9 @@
               <a:buNone/>
             </a:pPr>
             <a:r>
-              <a:rPr lang="en-US" altLang="zh-CN" sz="2000" b="1">
+              <a:rPr lang="en-US" altLang="zh-CN" sz="2000" b="1" dirty="0">
                 <a:solidFill>
-                  <a:schemeClr val="folHlink"/>
+                  <a:srgbClr val="0432FF"/>
                 </a:solidFill>
                 <a:latin typeface="Courier New" panose="02070309020205020404" pitchFamily="49" charset="0"/>
               </a:rPr>
@@ -34511,9 +34684,9 @@
               <a:buNone/>
             </a:pPr>
             <a:r>
-              <a:rPr lang="en-US" altLang="zh-CN" sz="2000" b="1">
+              <a:rPr lang="en-US" altLang="zh-CN" sz="2000" b="1" dirty="0">
                 <a:solidFill>
-                  <a:schemeClr val="folHlink"/>
+                  <a:srgbClr val="0432FF"/>
                 </a:solidFill>
                 <a:latin typeface="Courier New" panose="02070309020205020404" pitchFamily="49" charset="0"/>
               </a:rPr>
@@ -34525,9 +34698,9 @@
               <a:buFont typeface="Wingdings" panose="05000000000000000000" pitchFamily="2" charset="2"/>
               <a:buNone/>
             </a:pPr>
-            <a:endParaRPr lang="en-US" altLang="zh-CN" sz="2000" b="1">
+            <a:endParaRPr lang="en-US" altLang="zh-CN" sz="2000" b="1" dirty="0">
               <a:solidFill>
-                <a:schemeClr val="folHlink"/>
+                <a:srgbClr val="0432FF"/>
               </a:solidFill>
               <a:latin typeface="Courier New" panose="02070309020205020404" pitchFamily="49" charset="0"/>
             </a:endParaRPr>
@@ -34538,9 +34711,9 @@
               <a:buNone/>
             </a:pPr>
             <a:r>
-              <a:rPr lang="en-US" altLang="zh-CN" sz="2000" b="1">
+              <a:rPr lang="en-US" altLang="zh-CN" sz="2000" b="1" dirty="0">
                 <a:solidFill>
-                  <a:schemeClr val="folHlink"/>
+                  <a:srgbClr val="0432FF"/>
                 </a:solidFill>
                 <a:latin typeface="Courier New" panose="02070309020205020404" pitchFamily="49" charset="0"/>
               </a:rPr>
@@ -34552,9 +34725,9 @@
               <a:buFont typeface="Wingdings" panose="05000000000000000000" pitchFamily="2" charset="2"/>
               <a:buNone/>
             </a:pPr>
-            <a:endParaRPr lang="en-US" altLang="zh-CN" sz="2000" b="1">
+            <a:endParaRPr lang="en-US" altLang="zh-CN" sz="2000" b="1" dirty="0">
               <a:solidFill>
-                <a:schemeClr val="folHlink"/>
+                <a:srgbClr val="0432FF"/>
               </a:solidFill>
               <a:latin typeface="Courier New" panose="02070309020205020404" pitchFamily="49" charset="0"/>
             </a:endParaRPr>
@@ -34565,9 +34738,9 @@
               <a:buNone/>
             </a:pPr>
             <a:r>
-              <a:rPr lang="en-US" altLang="zh-CN" sz="2000" b="1">
+              <a:rPr lang="en-US" altLang="zh-CN" sz="2000" b="1" dirty="0">
                 <a:solidFill>
-                  <a:schemeClr val="folHlink"/>
+                  <a:srgbClr val="0432FF"/>
                 </a:solidFill>
                 <a:latin typeface="Courier New" panose="02070309020205020404" pitchFamily="49" charset="0"/>
               </a:rPr>
@@ -34579,9 +34752,9 @@
               <a:buFont typeface="Wingdings" panose="05000000000000000000" pitchFamily="2" charset="2"/>
               <a:buNone/>
             </a:pPr>
-            <a:endParaRPr lang="en-US" altLang="zh-CN" sz="2000" b="1">
+            <a:endParaRPr lang="en-US" altLang="zh-CN" sz="2000" b="1" dirty="0">
               <a:solidFill>
-                <a:schemeClr val="folHlink"/>
+                <a:srgbClr val="0432FF"/>
               </a:solidFill>
               <a:latin typeface="Courier New" panose="02070309020205020404" pitchFamily="49" charset="0"/>
             </a:endParaRPr>
@@ -34592,9 +34765,9 @@
               <a:buNone/>
             </a:pPr>
             <a:r>
-              <a:rPr lang="en-US" altLang="zh-CN" sz="2000" b="1">
+              <a:rPr lang="en-US" altLang="zh-CN" sz="2000" b="1" dirty="0">
                 <a:solidFill>
-                  <a:schemeClr val="folHlink"/>
+                  <a:srgbClr val="0432FF"/>
                 </a:solidFill>
                 <a:latin typeface="Courier New" panose="02070309020205020404" pitchFamily="49" charset="0"/>
               </a:rPr>
@@ -34606,9 +34779,9 @@
               <a:buFont typeface="Wingdings" panose="05000000000000000000" pitchFamily="2" charset="2"/>
               <a:buNone/>
             </a:pPr>
-            <a:endParaRPr lang="en-US" altLang="zh-CN" sz="2000" b="1">
+            <a:endParaRPr lang="en-US" altLang="zh-CN" sz="2000" b="1" dirty="0">
               <a:solidFill>
-                <a:schemeClr val="folHlink"/>
+                <a:srgbClr val="0432FF"/>
               </a:solidFill>
               <a:latin typeface="Courier New" panose="02070309020205020404" pitchFamily="49" charset="0"/>
             </a:endParaRPr>
@@ -34929,17 +35102,17 @@
           <a:lstStyle/>
           <a:p>
             <a:r>
-              <a:rPr lang="en-US" altLang="zh-CN"/>
+              <a:rPr lang="en-US" altLang="zh-CN" dirty="0"/>
               <a:t>Programmers</a:t>
             </a:r>
             <a:r>
-              <a:rPr lang="en-US" altLang="zh-CN">
+              <a:rPr lang="en-US" altLang="zh-CN" dirty="0">
                 <a:latin typeface="Arial" panose="020B0604020202020204" pitchFamily="34" charset="0"/>
               </a:rPr>
               <a:t>’</a:t>
             </a:r>
             <a:r>
-              <a:rPr lang="en-US" altLang="zh-CN"/>
+              <a:rPr lang="en-US" altLang="zh-CN" dirty="0"/>
               <a:t> duty to initialize that memory space</a:t>
             </a:r>
           </a:p>
@@ -34949,12 +35122,34 @@
               <a:buNone/>
             </a:pPr>
             <a:r>
-              <a:rPr lang="en-US" altLang="zh-CN">
+              <a:rPr lang="en-US" altLang="zh-CN" b="1" dirty="0">
                 <a:solidFill>
-                  <a:schemeClr val="folHlink"/>
+                  <a:srgbClr val="0432FF"/>
                 </a:solidFill>
+                <a:latin typeface="Courier New" panose="02070309020205020404" pitchFamily="49" charset="0"/>
+                <a:cs typeface="Courier New" panose="02070309020205020404" pitchFamily="49" charset="0"/>
               </a:rPr>
-              <a:t>int i, j;</a:t>
+              <a:t>int </a:t>
+            </a:r>
+            <a:r>
+              <a:rPr lang="en-US" altLang="zh-CN" b="1" dirty="0" err="1">
+                <a:solidFill>
+                  <a:srgbClr val="0432FF"/>
+                </a:solidFill>
+                <a:latin typeface="Courier New" panose="02070309020205020404" pitchFamily="49" charset="0"/>
+                <a:cs typeface="Courier New" panose="02070309020205020404" pitchFamily="49" charset="0"/>
+              </a:rPr>
+              <a:t>i</a:t>
+            </a:r>
+            <a:r>
+              <a:rPr lang="en-US" altLang="zh-CN" b="1" dirty="0">
+                <a:solidFill>
+                  <a:srgbClr val="0432FF"/>
+                </a:solidFill>
+                <a:latin typeface="Courier New" panose="02070309020205020404" pitchFamily="49" charset="0"/>
+                <a:cs typeface="Courier New" panose="02070309020205020404" pitchFamily="49" charset="0"/>
+              </a:rPr>
+              <a:t>, j;</a:t>
             </a:r>
           </a:p>
           <a:p>
@@ -34963,12 +35158,24 @@
               <a:buNone/>
             </a:pPr>
             <a:r>
-              <a:rPr lang="en-US" altLang="zh-CN">
+              <a:rPr lang="en-US" altLang="zh-CN" b="1" dirty="0" err="1">
                 <a:solidFill>
-                  <a:schemeClr val="folHlink"/>
+                  <a:srgbClr val="0432FF"/>
                 </a:solidFill>
+                <a:latin typeface="Courier New" panose="02070309020205020404" pitchFamily="49" charset="0"/>
+                <a:cs typeface="Courier New" panose="02070309020205020404" pitchFamily="49" charset="0"/>
               </a:rPr>
-              <a:t>i = 9;</a:t>
+              <a:t>i</a:t>
+            </a:r>
+            <a:r>
+              <a:rPr lang="en-US" altLang="zh-CN" b="1" dirty="0">
+                <a:solidFill>
+                  <a:srgbClr val="0432FF"/>
+                </a:solidFill>
+                <a:latin typeface="Courier New" panose="02070309020205020404" pitchFamily="49" charset="0"/>
+                <a:cs typeface="Courier New" panose="02070309020205020404" pitchFamily="49" charset="0"/>
+              </a:rPr>
+              <a:t> = 9;</a:t>
             </a:r>
           </a:p>
           <a:p>
@@ -34976,14 +35183,14 @@
               <a:buFont typeface="Wingdings" panose="05000000000000000000" pitchFamily="2" charset="2"/>
               <a:buNone/>
             </a:pPr>
-            <a:endParaRPr lang="en-US" altLang="zh-CN"/>
+            <a:endParaRPr lang="en-US" altLang="zh-CN" dirty="0"/>
           </a:p>
           <a:p>
             <a:pPr>
               <a:buFont typeface="Wingdings" panose="05000000000000000000" pitchFamily="2" charset="2"/>
               <a:buNone/>
             </a:pPr>
-            <a:endParaRPr lang="en-US" altLang="zh-CN"/>
+            <a:endParaRPr lang="en-US" altLang="zh-CN" dirty="0"/>
           </a:p>
         </p:txBody>
       </p:sp>

--- a/courses/sysprog/slides/lec03-exp.pptx
+++ b/courses/sysprog/slides/lec03-exp.pptx
@@ -6841,7 +6841,7 @@
                 <a:latin typeface="Courier New" panose="02070309020205020404" pitchFamily="49" charset="0"/>
                 <a:cs typeface="Courier New" panose="02070309020205020404" pitchFamily="49" charset="0"/>
               </a:rPr>
-              <a:t>for (int j=0; j&lt;5; </a:t>
+              <a:t>for(int j=0; j&lt;5; </a:t>
             </a:r>
             <a:r>
               <a:rPr lang="en-US" altLang="zh-CN" sz="2400" b="1" dirty="0" err="1">
@@ -6877,7 +6877,27 @@
                 <a:latin typeface="Courier New" panose="02070309020205020404" pitchFamily="49" charset="0"/>
                 <a:cs typeface="Courier New" panose="02070309020205020404" pitchFamily="49" charset="0"/>
               </a:rPr>
-              <a:t>    a[j] = j*j;</a:t>
+              <a:t>   </a:t>
+            </a:r>
+            <a:r>
+              <a:rPr lang="zh-CN" altLang="en-US" sz="2400" b="1" dirty="0">
+                <a:solidFill>
+                  <a:srgbClr val="0432FF"/>
+                </a:solidFill>
+                <a:latin typeface="Courier New" panose="02070309020205020404" pitchFamily="49" charset="0"/>
+                <a:cs typeface="Courier New" panose="02070309020205020404" pitchFamily="49" charset="0"/>
+              </a:rPr>
+              <a:t> </a:t>
+            </a:r>
+            <a:r>
+              <a:rPr lang="en-US" altLang="zh-CN" sz="2400" b="1" dirty="0">
+                <a:solidFill>
+                  <a:srgbClr val="0432FF"/>
+                </a:solidFill>
+                <a:latin typeface="Courier New" panose="02070309020205020404" pitchFamily="49" charset="0"/>
+                <a:cs typeface="Courier New" panose="02070309020205020404" pitchFamily="49" charset="0"/>
+              </a:rPr>
+              <a:t>a[j] = j*j;</a:t>
             </a:r>
           </a:p>
         </p:txBody>
@@ -16952,7 +16972,7 @@
             <a:r>
               <a:rPr lang="en-US" altLang="zh-CN" sz="2000" b="1" dirty="0">
                 <a:solidFill>
-                  <a:schemeClr val="folHlink"/>
+                  <a:srgbClr val="0432FF"/>
                 </a:solidFill>
                 <a:latin typeface="Courier New" panose="02070309020205020404" pitchFamily="49" charset="0"/>
               </a:rPr>
@@ -16967,7 +16987,7 @@
             <a:r>
               <a:rPr lang="en-US" altLang="zh-CN" sz="2000" b="1" dirty="0">
                 <a:solidFill>
-                  <a:schemeClr val="folHlink"/>
+                  <a:srgbClr val="0432FF"/>
                 </a:solidFill>
                 <a:latin typeface="Courier New" panose="02070309020205020404" pitchFamily="49" charset="0"/>
               </a:rPr>
@@ -17092,7 +17112,7 @@
             <a:r>
               <a:rPr lang="en-US" altLang="zh-CN" sz="2000" b="1" dirty="0">
                 <a:solidFill>
-                  <a:schemeClr val="folHlink"/>
+                  <a:srgbClr val="0432FF"/>
                 </a:solidFill>
                 <a:latin typeface="Courier New" panose="02070309020205020404" pitchFamily="49" charset="0"/>
               </a:rPr>
@@ -17110,7 +17130,7 @@
             <a:r>
               <a:rPr lang="en-US" altLang="zh-CN" sz="2000" b="1" dirty="0">
                 <a:solidFill>
-                  <a:schemeClr val="folHlink"/>
+                  <a:srgbClr val="0432FF"/>
                 </a:solidFill>
                 <a:latin typeface="Courier New" panose="02070309020205020404" pitchFamily="49" charset="0"/>
               </a:rPr>
@@ -17170,7 +17190,7 @@
             <a:r>
               <a:rPr lang="en-US" altLang="zh-CN" sz="2000" b="1" dirty="0">
                 <a:solidFill>
-                  <a:schemeClr val="folHlink"/>
+                  <a:srgbClr val="0432FF"/>
                 </a:solidFill>
                 <a:latin typeface="Courier New" panose="02070309020205020404" pitchFamily="49" charset="0"/>
               </a:rPr>
@@ -17179,7 +17199,7 @@
             <a:r>
               <a:rPr lang="en-US" altLang="zh-CN" sz="2000" b="1" dirty="0" err="1">
                 <a:solidFill>
-                  <a:schemeClr val="folHlink"/>
+                  <a:srgbClr val="0432FF"/>
                 </a:solidFill>
                 <a:latin typeface="Courier New" panose="02070309020205020404" pitchFamily="49" charset="0"/>
               </a:rPr>
@@ -17188,7 +17208,7 @@
             <a:r>
               <a:rPr lang="en-US" altLang="zh-CN" sz="2000" b="1" dirty="0">
                 <a:solidFill>
-                  <a:schemeClr val="folHlink"/>
+                  <a:srgbClr val="0432FF"/>
                 </a:solidFill>
                 <a:latin typeface="Courier New" panose="02070309020205020404" pitchFamily="49" charset="0"/>
               </a:rPr>
@@ -17206,7 +17226,7 @@
             <a:r>
               <a:rPr lang="en-US" altLang="zh-CN" sz="2000" b="1" dirty="0">
                 <a:solidFill>
-                  <a:schemeClr val="folHlink"/>
+                  <a:srgbClr val="0432FF"/>
                 </a:solidFill>
                 <a:latin typeface="Courier New" panose="02070309020205020404" pitchFamily="49" charset="0"/>
               </a:rPr>
@@ -17223,7 +17243,7 @@
             </a:pPr>
             <a:endParaRPr lang="en-US" altLang="zh-CN" sz="2000" b="1" dirty="0">
               <a:solidFill>
-                <a:schemeClr val="folHlink"/>
+                <a:srgbClr val="0432FF"/>
               </a:solidFill>
               <a:latin typeface="Courier New" panose="02070309020205020404" pitchFamily="49" charset="0"/>
             </a:endParaRPr>
@@ -17239,7 +17259,7 @@
             <a:r>
               <a:rPr lang="en-US" altLang="zh-CN" sz="2000" b="1" dirty="0">
                 <a:solidFill>
-                  <a:schemeClr val="folHlink"/>
+                  <a:srgbClr val="0432FF"/>
                 </a:solidFill>
                 <a:latin typeface="Courier New" panose="02070309020205020404" pitchFamily="49" charset="0"/>
               </a:rPr>
@@ -17248,7 +17268,7 @@
             <a:r>
               <a:rPr lang="en-US" altLang="zh-CN" sz="2000" b="1" dirty="0" err="1">
                 <a:solidFill>
-                  <a:schemeClr val="folHlink"/>
+                  <a:srgbClr val="0432FF"/>
                 </a:solidFill>
                 <a:latin typeface="Courier New" panose="02070309020205020404" pitchFamily="49" charset="0"/>
               </a:rPr>
@@ -17257,7 +17277,7 @@
             <a:r>
               <a:rPr lang="en-US" altLang="zh-CN" sz="2000" b="1" dirty="0">
                 <a:solidFill>
-                  <a:schemeClr val="folHlink"/>
+                  <a:srgbClr val="0432FF"/>
                 </a:solidFill>
                 <a:latin typeface="Courier New" panose="02070309020205020404" pitchFamily="49" charset="0"/>
               </a:rPr>
@@ -17266,7 +17286,7 @@
             <a:r>
               <a:rPr lang="en-US" altLang="zh-CN" sz="2000" b="1" dirty="0" err="1">
                 <a:solidFill>
-                  <a:schemeClr val="folHlink"/>
+                  <a:srgbClr val="0432FF"/>
                 </a:solidFill>
                 <a:latin typeface="Courier New" panose="02070309020205020404" pitchFamily="49" charset="0"/>
               </a:rPr>
@@ -17275,7 +17295,7 @@
             <a:r>
               <a:rPr lang="en-US" altLang="zh-CN" sz="2000" b="1" dirty="0">
                 <a:solidFill>
-                  <a:schemeClr val="folHlink"/>
+                  <a:srgbClr val="0432FF"/>
                 </a:solidFill>
                 <a:latin typeface="Courier New" panose="02070309020205020404" pitchFamily="49" charset="0"/>
               </a:rPr>
@@ -17293,7 +17313,7 @@
             <a:r>
               <a:rPr lang="en-US" altLang="zh-CN" sz="2000" b="1" dirty="0">
                 <a:solidFill>
-                  <a:schemeClr val="folHlink"/>
+                  <a:srgbClr val="0432FF"/>
                 </a:solidFill>
                 <a:latin typeface="Courier New" panose="02070309020205020404" pitchFamily="49" charset="0"/>
               </a:rPr>
@@ -17311,7 +17331,7 @@
             <a:r>
               <a:rPr lang="en-US" altLang="zh-CN" sz="2000" b="1" dirty="0">
                 <a:solidFill>
-                  <a:schemeClr val="folHlink"/>
+                  <a:srgbClr val="0432FF"/>
                 </a:solidFill>
                 <a:latin typeface="Courier New" panose="02070309020205020404" pitchFamily="49" charset="0"/>
               </a:rPr>
@@ -17456,7 +17476,7 @@
             <a:r>
               <a:rPr lang="en-US" altLang="zh-CN" sz="2000" b="1" dirty="0">
                 <a:solidFill>
-                  <a:schemeClr val="folHlink"/>
+                  <a:srgbClr val="0432FF"/>
                 </a:solidFill>
                 <a:latin typeface="Courier New" panose="02070309020205020404" pitchFamily="49" charset="0"/>
               </a:rPr>
@@ -17474,7 +17494,7 @@
             <a:r>
               <a:rPr lang="en-US" altLang="zh-CN" sz="2000" b="1" dirty="0">
                 <a:solidFill>
-                  <a:schemeClr val="folHlink"/>
+                  <a:srgbClr val="0432FF"/>
                 </a:solidFill>
                 <a:latin typeface="Courier New" panose="02070309020205020404" pitchFamily="49" charset="0"/>
               </a:rPr>
@@ -17492,7 +17512,7 @@
             <a:r>
               <a:rPr lang="en-US" altLang="zh-CN" sz="2000" b="1" dirty="0">
                 <a:solidFill>
-                  <a:schemeClr val="folHlink"/>
+                  <a:srgbClr val="0432FF"/>
                 </a:solidFill>
                 <a:latin typeface="Courier New" panose="02070309020205020404" pitchFamily="49" charset="0"/>
               </a:rPr>
@@ -17552,7 +17572,7 @@
             <a:r>
               <a:rPr lang="en-US" altLang="zh-CN" sz="2000" b="1" dirty="0">
                 <a:solidFill>
-                  <a:schemeClr val="folHlink"/>
+                  <a:srgbClr val="0432FF"/>
                 </a:solidFill>
                 <a:latin typeface="Courier New" panose="02070309020205020404" pitchFamily="49" charset="0"/>
               </a:rPr>
@@ -17570,7 +17590,7 @@
             <a:r>
               <a:rPr lang="en-US" altLang="zh-CN" sz="2000" b="1" dirty="0">
                 <a:solidFill>
-                  <a:schemeClr val="folHlink"/>
+                  <a:srgbClr val="0432FF"/>
                 </a:solidFill>
                 <a:latin typeface="Courier New" panose="02070309020205020404" pitchFamily="49" charset="0"/>
               </a:rPr>
@@ -17588,7 +17608,7 @@
             <a:r>
               <a:rPr lang="en-US" altLang="zh-CN" sz="2000" b="1" dirty="0">
                 <a:solidFill>
-                  <a:schemeClr val="folHlink"/>
+                  <a:srgbClr val="0432FF"/>
                 </a:solidFill>
                 <a:latin typeface="Courier New" panose="02070309020205020404" pitchFamily="49" charset="0"/>
               </a:rPr>
@@ -17697,9 +17717,9 @@
               <a:buNone/>
             </a:pPr>
             <a:r>
-              <a:rPr lang="en-US" altLang="zh-CN" sz="2000" b="1">
+              <a:rPr lang="en-US" altLang="zh-CN" sz="2000" b="1" dirty="0">
                 <a:solidFill>
-                  <a:schemeClr val="folHlink"/>
+                  <a:srgbClr val="0432FF"/>
                 </a:solidFill>
                 <a:latin typeface="Courier New" panose="02070309020205020404" pitchFamily="49" charset="0"/>
               </a:rPr>
@@ -17712,9 +17732,9 @@
               <a:buNone/>
             </a:pPr>
             <a:r>
-              <a:rPr lang="en-US" altLang="zh-CN" sz="2000" b="1">
+              <a:rPr lang="en-US" altLang="zh-CN" sz="2000" b="1" dirty="0">
                 <a:solidFill>
-                  <a:schemeClr val="folHlink"/>
+                  <a:srgbClr val="0432FF"/>
                 </a:solidFill>
                 <a:latin typeface="Courier New" panose="02070309020205020404" pitchFamily="49" charset="0"/>
               </a:rPr>
@@ -17726,9 +17746,9 @@
               <a:buFont typeface="Wingdings" panose="05000000000000000000" pitchFamily="2" charset="2"/>
               <a:buNone/>
             </a:pPr>
-            <a:endParaRPr lang="en-US" altLang="zh-CN" sz="2000" b="1">
+            <a:endParaRPr lang="en-US" altLang="zh-CN" sz="2000" b="1" dirty="0">
               <a:solidFill>
-                <a:schemeClr val="folHlink"/>
+                <a:srgbClr val="0432FF"/>
               </a:solidFill>
               <a:latin typeface="Courier New" panose="02070309020205020404" pitchFamily="49" charset="0"/>
             </a:endParaRPr>
@@ -17739,9 +17759,9 @@
               <a:buNone/>
             </a:pPr>
             <a:r>
-              <a:rPr lang="en-US" altLang="zh-CN" sz="2000" b="1">
+              <a:rPr lang="en-US" altLang="zh-CN" sz="2000" b="1" dirty="0">
                 <a:solidFill>
-                  <a:schemeClr val="folHlink"/>
+                  <a:srgbClr val="0432FF"/>
                 </a:solidFill>
                 <a:latin typeface="Courier New" panose="02070309020205020404" pitchFamily="49" charset="0"/>
               </a:rPr>
@@ -17754,7 +17774,7 @@
               <a:buNone/>
             </a:pPr>
             <a:r>
-              <a:rPr lang="en-US" altLang="zh-CN" sz="2000" b="1">
+              <a:rPr lang="en-US" altLang="zh-CN" sz="2000" b="1" dirty="0">
                 <a:latin typeface="Courier New" panose="02070309020205020404" pitchFamily="49" charset="0"/>
               </a:rPr>
               <a:t>// x == 9</a:t>
@@ -17766,7 +17786,7 @@
               <a:buNone/>
             </a:pPr>
             <a:r>
-              <a:rPr lang="en-US" altLang="zh-CN" sz="2000" b="1">
+              <a:rPr lang="en-US" altLang="zh-CN" sz="2000" b="1" dirty="0">
                 <a:latin typeface="Courier New" panose="02070309020205020404" pitchFamily="49" charset="0"/>
               </a:rPr>
               <a:t>// n == 10</a:t>
@@ -17777,7 +17797,7 @@
               <a:buFont typeface="Wingdings" panose="05000000000000000000" pitchFamily="2" charset="2"/>
               <a:buNone/>
             </a:pPr>
-            <a:endParaRPr lang="en-US" altLang="zh-CN"/>
+            <a:endParaRPr lang="en-US" altLang="zh-CN" dirty="0"/>
           </a:p>
         </p:txBody>
       </p:sp>
@@ -18021,9 +18041,9 @@
               <a:buNone/>
             </a:pPr>
             <a:r>
-              <a:rPr lang="en-US" altLang="zh-CN" sz="2000" b="1">
+              <a:rPr lang="en-US" altLang="zh-CN" sz="2000" b="1" dirty="0">
                 <a:solidFill>
-                  <a:schemeClr val="folHlink"/>
+                  <a:srgbClr val="0432FF"/>
                 </a:solidFill>
                 <a:latin typeface="Courier New" panose="02070309020205020404" pitchFamily="49" charset="0"/>
               </a:rPr>
@@ -18036,9 +18056,9 @@
               <a:buNone/>
             </a:pPr>
             <a:r>
-              <a:rPr lang="en-US" altLang="zh-CN" sz="2000" b="1">
+              <a:rPr lang="en-US" altLang="zh-CN" sz="2000" b="1" dirty="0">
                 <a:solidFill>
-                  <a:schemeClr val="folHlink"/>
+                  <a:srgbClr val="0432FF"/>
                 </a:solidFill>
                 <a:latin typeface="Courier New" panose="02070309020205020404" pitchFamily="49" charset="0"/>
               </a:rPr>
@@ -18050,9 +18070,9 @@
               <a:buFont typeface="Wingdings" panose="05000000000000000000" pitchFamily="2" charset="2"/>
               <a:buNone/>
             </a:pPr>
-            <a:endParaRPr lang="en-US" altLang="zh-CN" sz="2000" b="1">
+            <a:endParaRPr lang="en-US" altLang="zh-CN" sz="2000" b="1" dirty="0">
               <a:solidFill>
-                <a:schemeClr val="folHlink"/>
+                <a:srgbClr val="0432FF"/>
               </a:solidFill>
               <a:latin typeface="Courier New" panose="02070309020205020404" pitchFamily="49" charset="0"/>
             </a:endParaRPr>
@@ -18063,9 +18083,9 @@
               <a:buNone/>
             </a:pPr>
             <a:r>
-              <a:rPr lang="en-US" altLang="zh-CN" sz="2000" b="1">
+              <a:rPr lang="en-US" altLang="zh-CN" sz="2000" b="1" dirty="0">
                 <a:solidFill>
-                  <a:schemeClr val="folHlink"/>
+                  <a:srgbClr val="0432FF"/>
                 </a:solidFill>
                 <a:latin typeface="Courier New" panose="02070309020205020404" pitchFamily="49" charset="0"/>
               </a:rPr>
@@ -18078,7 +18098,7 @@
               <a:buNone/>
             </a:pPr>
             <a:r>
-              <a:rPr lang="en-US" altLang="zh-CN" sz="2000" b="1">
+              <a:rPr lang="en-US" altLang="zh-CN" sz="2000" b="1" dirty="0">
                 <a:latin typeface="Courier New" panose="02070309020205020404" pitchFamily="49" charset="0"/>
               </a:rPr>
               <a:t>// x == 10</a:t>
@@ -18090,7 +18110,7 @@
               <a:buNone/>
             </a:pPr>
             <a:r>
-              <a:rPr lang="en-US" altLang="zh-CN" sz="2000" b="1">
+              <a:rPr lang="en-US" altLang="zh-CN" sz="2000" b="1" dirty="0">
                 <a:latin typeface="Courier New" panose="02070309020205020404" pitchFamily="49" charset="0"/>
               </a:rPr>
               <a:t>// n == 10</a:t>
@@ -18291,6 +18311,11 @@
           </p:cNvGraphicFramePr>
           <p:nvPr>
             <p:ph sz="half" idx="2"/>
+            <p:extLst>
+              <p:ext uri="{D42A27DB-BD31-4B8C-83A1-F6EECF244321}">
+                <p14:modId xmlns:p14="http://schemas.microsoft.com/office/powerpoint/2010/main" val="4105424994"/>
+              </p:ext>
+            </p:extLst>
           </p:nvPr>
         </p:nvGraphicFramePr>
         <p:xfrm>
@@ -19017,12 +19042,12 @@
                         <a:tabLst/>
                       </a:pPr>
                       <a:r>
-                        <a:rPr kumimoji="0" lang="en-US" altLang="zh-CN" sz="2800" b="0" i="0" u="none" strike="noStrike" cap="none" normalizeH="0" baseline="0">
+                        <a:rPr kumimoji="0" lang="en-US" altLang="zh-CN" sz="2800" b="0" i="0" u="none" strike="noStrike" cap="none" normalizeH="0" baseline="0" dirty="0">
                           <a:ln>
                             <a:noFill/>
                           </a:ln>
                           <a:solidFill>
-                            <a:schemeClr val="tx1"/>
+                            <a:srgbClr val="0432FF"/>
                           </a:solidFill>
                           <a:effectLst/>
                           <a:latin typeface="Tahoma" panose="020B0604030504040204" pitchFamily="34" charset="0"/>
@@ -19526,12 +19551,12 @@
                         <a:tabLst/>
                       </a:pPr>
                       <a:r>
-                        <a:rPr kumimoji="0" lang="en-US" altLang="zh-CN" sz="2800" b="0" i="0" u="none" strike="noStrike" cap="none" normalizeH="0" baseline="0">
+                        <a:rPr kumimoji="0" lang="en-US" altLang="zh-CN" sz="2800" b="0" i="0" u="none" strike="noStrike" cap="none" normalizeH="0" baseline="0" dirty="0">
                           <a:ln>
                             <a:noFill/>
                           </a:ln>
                           <a:solidFill>
-                            <a:schemeClr val="tx1"/>
+                            <a:srgbClr val="0432FF"/>
                           </a:solidFill>
                           <a:effectLst/>
                           <a:latin typeface="Tahoma" panose="020B0604030504040204" pitchFamily="34" charset="0"/>
@@ -20035,12 +20060,12 @@
                         <a:tabLst/>
                       </a:pPr>
                       <a:r>
-                        <a:rPr kumimoji="0" lang="en-US" altLang="zh-CN" sz="2800" b="0" i="0" u="none" strike="noStrike" cap="none" normalizeH="0" baseline="0">
+                        <a:rPr kumimoji="0" lang="en-US" altLang="zh-CN" sz="2800" b="0" i="0" u="none" strike="noStrike" cap="none" normalizeH="0" baseline="0" dirty="0">
                           <a:ln>
                             <a:noFill/>
                           </a:ln>
                           <a:solidFill>
-                            <a:schemeClr val="tx1"/>
+                            <a:srgbClr val="0432FF"/>
                           </a:solidFill>
                           <a:effectLst/>
                           <a:latin typeface="Tahoma" panose="020B0604030504040204" pitchFamily="34" charset="0"/>
@@ -20544,12 +20569,12 @@
                         <a:tabLst/>
                       </a:pPr>
                       <a:r>
-                        <a:rPr kumimoji="0" lang="en-US" altLang="zh-CN" sz="2800" b="0" i="0" u="none" strike="noStrike" cap="none" normalizeH="0" baseline="0">
+                        <a:rPr kumimoji="0" lang="en-US" altLang="zh-CN" sz="2800" b="0" i="0" u="none" strike="noStrike" cap="none" normalizeH="0" baseline="0" dirty="0">
                           <a:ln>
                             <a:noFill/>
                           </a:ln>
                           <a:solidFill>
-                            <a:schemeClr val="tx1"/>
+                            <a:srgbClr val="0432FF"/>
                           </a:solidFill>
                           <a:effectLst/>
                           <a:latin typeface="Tahoma" panose="020B0604030504040204" pitchFamily="34" charset="0"/>
@@ -21053,12 +21078,12 @@
                         <a:tabLst/>
                       </a:pPr>
                       <a:r>
-                        <a:rPr kumimoji="0" lang="en-US" altLang="zh-CN" sz="2800" b="0" i="0" u="none" strike="noStrike" cap="none" normalizeH="0" baseline="0">
+                        <a:rPr kumimoji="0" lang="en-US" altLang="zh-CN" sz="2800" b="0" i="0" u="none" strike="noStrike" cap="none" normalizeH="0" baseline="0" dirty="0">
                           <a:ln>
                             <a:noFill/>
                           </a:ln>
                           <a:solidFill>
-                            <a:schemeClr val="tx1"/>
+                            <a:srgbClr val="0432FF"/>
                           </a:solidFill>
                           <a:effectLst/>
                           <a:latin typeface="Tahoma" panose="020B0604030504040204" pitchFamily="34" charset="0"/>
@@ -21562,12 +21587,12 @@
                         <a:tabLst/>
                       </a:pPr>
                       <a:r>
-                        <a:rPr kumimoji="0" lang="en-US" altLang="zh-CN" sz="2800" b="0" i="0" u="none" strike="noStrike" cap="none" normalizeH="0" baseline="0">
+                        <a:rPr kumimoji="0" lang="en-US" altLang="zh-CN" sz="2800" b="0" i="0" u="none" strike="noStrike" cap="none" normalizeH="0" baseline="0" dirty="0">
                           <a:ln>
                             <a:noFill/>
                           </a:ln>
                           <a:solidFill>
-                            <a:schemeClr val="tx1"/>
+                            <a:srgbClr val="0432FF"/>
                           </a:solidFill>
                           <a:effectLst/>
                           <a:latin typeface="Tahoma" panose="020B0604030504040204" pitchFamily="34" charset="0"/>
@@ -21813,7 +21838,7 @@
                         <a:tabLst/>
                       </a:pPr>
                       <a:r>
-                        <a:rPr kumimoji="0" lang="en-US" altLang="zh-CN" sz="2800" b="0" i="0" u="none" strike="noStrike" cap="none" normalizeH="0" baseline="0">
+                        <a:rPr kumimoji="0" lang="en-US" altLang="zh-CN" sz="2800" b="0" i="0" u="none" strike="noStrike" cap="none" normalizeH="0" baseline="0" dirty="0">
                           <a:ln>
                             <a:noFill/>
                           </a:ln>
@@ -21983,7 +22008,7 @@
             <a:r>
               <a:rPr lang="en-US" altLang="zh-CN" sz="2000" b="1" dirty="0">
                 <a:solidFill>
-                  <a:schemeClr val="folHlink"/>
+                  <a:srgbClr val="0432FF"/>
                 </a:solidFill>
                 <a:latin typeface="Courier New" panose="02070309020205020404" pitchFamily="49" charset="0"/>
               </a:rPr>
@@ -22001,7 +22026,7 @@
             <a:r>
               <a:rPr lang="en-US" altLang="zh-CN" sz="2000" b="1" dirty="0">
                 <a:solidFill>
-                  <a:schemeClr val="folHlink"/>
+                  <a:srgbClr val="0432FF"/>
                 </a:solidFill>
                 <a:latin typeface="Courier New" panose="02070309020205020404" pitchFamily="49" charset="0"/>
               </a:rPr>
@@ -22019,7 +22044,7 @@
             <a:r>
               <a:rPr lang="en-US" altLang="zh-CN" sz="2000" b="1" dirty="0">
                 <a:solidFill>
-                  <a:schemeClr val="folHlink"/>
+                  <a:srgbClr val="0432FF"/>
                 </a:solidFill>
                 <a:latin typeface="Courier New" panose="02070309020205020404" pitchFamily="49" charset="0"/>
               </a:rPr>
@@ -22036,7 +22061,7 @@
             </a:pPr>
             <a:endParaRPr lang="en-US" altLang="zh-CN" sz="2000" b="1" dirty="0">
               <a:solidFill>
-                <a:schemeClr val="folHlink"/>
+                <a:srgbClr val="0432FF"/>
               </a:solidFill>
               <a:latin typeface="Courier New" panose="02070309020205020404" pitchFamily="49" charset="0"/>
             </a:endParaRPr>
@@ -22052,7 +22077,7 @@
             <a:r>
               <a:rPr lang="en-US" altLang="zh-CN" sz="2000" b="1" dirty="0">
                 <a:solidFill>
-                  <a:schemeClr val="folHlink"/>
+                  <a:srgbClr val="0432FF"/>
                 </a:solidFill>
                 <a:latin typeface="Courier New" panose="02070309020205020404" pitchFamily="49" charset="0"/>
               </a:rPr>
@@ -22070,7 +22095,7 @@
             <a:r>
               <a:rPr lang="en-US" altLang="zh-CN" sz="2000" b="1" dirty="0">
                 <a:solidFill>
-                  <a:schemeClr val="folHlink"/>
+                  <a:srgbClr val="0432FF"/>
                 </a:solidFill>
                 <a:latin typeface="Courier New" panose="02070309020205020404" pitchFamily="49" charset="0"/>
               </a:rPr>
@@ -22088,7 +22113,7 @@
             <a:r>
               <a:rPr lang="en-US" altLang="zh-CN" sz="2000" b="1" dirty="0">
                 <a:solidFill>
-                  <a:schemeClr val="folHlink"/>
+                  <a:srgbClr val="0432FF"/>
                 </a:solidFill>
                 <a:latin typeface="Courier New" panose="02070309020205020404" pitchFamily="49" charset="0"/>
               </a:rPr>
@@ -22106,7 +22131,7 @@
             <a:r>
               <a:rPr lang="en-US" altLang="zh-CN" sz="2000" b="1" dirty="0">
                 <a:solidFill>
-                  <a:schemeClr val="folHlink"/>
+                  <a:srgbClr val="0432FF"/>
                 </a:solidFill>
                 <a:latin typeface="Courier New" panose="02070309020205020404" pitchFamily="49" charset="0"/>
               </a:rPr>
@@ -22124,7 +22149,7 @@
             <a:r>
               <a:rPr lang="en-US" altLang="zh-CN" sz="2000" b="1" dirty="0">
                 <a:solidFill>
-                  <a:schemeClr val="folHlink"/>
+                  <a:srgbClr val="0432FF"/>
                 </a:solidFill>
                 <a:latin typeface="Courier New" panose="02070309020205020404" pitchFamily="49" charset="0"/>
               </a:rPr>
@@ -22142,7 +22167,7 @@
             <a:r>
               <a:rPr lang="en-US" altLang="zh-CN" sz="2000" b="1" dirty="0">
                 <a:solidFill>
-                  <a:schemeClr val="folHlink"/>
+                  <a:srgbClr val="0432FF"/>
                 </a:solidFill>
                 <a:latin typeface="Courier New" panose="02070309020205020404" pitchFamily="49" charset="0"/>
               </a:rPr>
@@ -22160,7 +22185,7 @@
             <a:r>
               <a:rPr lang="en-US" altLang="zh-CN" sz="2000" b="1" dirty="0">
                 <a:solidFill>
-                  <a:schemeClr val="folHlink"/>
+                  <a:srgbClr val="0432FF"/>
                 </a:solidFill>
                 <a:latin typeface="Courier New" panose="02070309020205020404" pitchFamily="49" charset="0"/>
               </a:rPr>
@@ -22567,7 +22592,7 @@
             <a:r>
               <a:rPr lang="en-US" altLang="zh-CN" sz="2000" b="1" dirty="0">
                 <a:solidFill>
-                  <a:schemeClr val="folHlink"/>
+                  <a:srgbClr val="0432FF"/>
                 </a:solidFill>
                 <a:latin typeface="Courier New" panose="02070309020205020404" pitchFamily="49" charset="0"/>
               </a:rPr>
@@ -22582,7 +22607,7 @@
             <a:r>
               <a:rPr lang="en-US" altLang="zh-CN" sz="2000" b="1" dirty="0">
                 <a:solidFill>
-                  <a:schemeClr val="folHlink"/>
+                  <a:srgbClr val="0432FF"/>
                 </a:solidFill>
                 <a:latin typeface="Courier New" panose="02070309020205020404" pitchFamily="49" charset="0"/>
               </a:rPr>
@@ -22597,7 +22622,7 @@
             <a:r>
               <a:rPr lang="en-US" altLang="zh-CN" sz="2000" b="1" dirty="0">
                 <a:solidFill>
-                  <a:schemeClr val="folHlink"/>
+                  <a:srgbClr val="0432FF"/>
                 </a:solidFill>
                 <a:latin typeface="Courier New" panose="02070309020205020404" pitchFamily="49" charset="0"/>
               </a:rPr>
@@ -22612,7 +22637,7 @@
             <a:r>
               <a:rPr lang="en-US" altLang="zh-CN" sz="2000" b="1" dirty="0">
                 <a:solidFill>
-                  <a:schemeClr val="folHlink"/>
+                  <a:srgbClr val="0432FF"/>
                 </a:solidFill>
                 <a:latin typeface="Courier New" panose="02070309020205020404" pitchFamily="49" charset="0"/>
               </a:rPr>
@@ -22648,7 +22673,7 @@
             <a:r>
               <a:rPr lang="en-US" altLang="zh-CN" sz="2000" b="1" dirty="0">
                 <a:solidFill>
-                  <a:schemeClr val="folHlink"/>
+                  <a:srgbClr val="0432FF"/>
                 </a:solidFill>
                 <a:latin typeface="Courier New" panose="02070309020205020404" pitchFamily="49" charset="0"/>
               </a:rPr>
@@ -22663,7 +22688,7 @@
             <a:r>
               <a:rPr lang="en-US" altLang="zh-CN" sz="2000" b="1" dirty="0">
                 <a:solidFill>
-                  <a:schemeClr val="folHlink"/>
+                  <a:srgbClr val="0432FF"/>
                 </a:solidFill>
                 <a:latin typeface="Courier New" panose="02070309020205020404" pitchFamily="49" charset="0"/>
               </a:rPr>
@@ -22756,7 +22781,7 @@
             <a:r>
               <a:rPr lang="en-US" altLang="zh-CN" sz="2000" b="1" dirty="0">
                 <a:solidFill>
-                  <a:schemeClr val="folHlink"/>
+                  <a:srgbClr val="0432FF"/>
                 </a:solidFill>
                 <a:latin typeface="Courier New" panose="02070309020205020404" pitchFamily="49" charset="0"/>
               </a:rPr>
@@ -22774,7 +22799,7 @@
             <a:r>
               <a:rPr lang="en-US" altLang="zh-CN" sz="2000" b="1" dirty="0">
                 <a:solidFill>
-                  <a:schemeClr val="folHlink"/>
+                  <a:srgbClr val="0432FF"/>
                 </a:solidFill>
                 <a:latin typeface="Courier New" panose="02070309020205020404" pitchFamily="49" charset="0"/>
               </a:rPr>
@@ -22792,7 +22817,7 @@
             <a:r>
               <a:rPr lang="en-US" altLang="zh-CN" sz="2000" b="1" dirty="0">
                 <a:solidFill>
-                  <a:schemeClr val="folHlink"/>
+                  <a:srgbClr val="0432FF"/>
                 </a:solidFill>
                 <a:latin typeface="Courier New" panose="02070309020205020404" pitchFamily="49" charset="0"/>
               </a:rPr>
@@ -22810,7 +22835,7 @@
             <a:r>
               <a:rPr lang="en-US" altLang="zh-CN" sz="2000" b="1" dirty="0">
                 <a:solidFill>
-                  <a:schemeClr val="folHlink"/>
+                  <a:srgbClr val="0432FF"/>
                 </a:solidFill>
                 <a:latin typeface="Courier New" panose="02070309020205020404" pitchFamily="49" charset="0"/>
               </a:rPr>
@@ -22855,7 +22880,7 @@
             <a:r>
               <a:rPr lang="en-US" altLang="zh-CN" sz="2000" b="1" dirty="0">
                 <a:solidFill>
-                  <a:schemeClr val="folHlink"/>
+                  <a:srgbClr val="0432FF"/>
                 </a:solidFill>
                 <a:latin typeface="Courier New" panose="02070309020205020404" pitchFamily="49" charset="0"/>
               </a:rPr>
@@ -22900,7 +22925,7 @@
             <a:r>
               <a:rPr lang="en-US" altLang="zh-CN" sz="2000" b="1" dirty="0">
                 <a:solidFill>
-                  <a:schemeClr val="folHlink"/>
+                  <a:srgbClr val="0432FF"/>
                 </a:solidFill>
                 <a:latin typeface="Courier New" panose="02070309020205020404" pitchFamily="49" charset="0"/>
               </a:rPr>
@@ -23100,7 +23125,7 @@
             <a:r>
               <a:rPr lang="en-US" altLang="zh-CN" sz="2000" b="1" dirty="0">
                 <a:solidFill>
-                  <a:schemeClr val="folHlink"/>
+                  <a:srgbClr val="0432FF"/>
                 </a:solidFill>
                 <a:latin typeface="Courier New" panose="02070309020205020404" pitchFamily="49" charset="0"/>
               </a:rPr>
@@ -23118,7 +23143,7 @@
             <a:r>
               <a:rPr lang="en-US" altLang="zh-CN" sz="2000" b="1" dirty="0">
                 <a:solidFill>
-                  <a:schemeClr val="folHlink"/>
+                  <a:srgbClr val="0432FF"/>
                 </a:solidFill>
                 <a:latin typeface="Courier New" panose="02070309020205020404" pitchFamily="49" charset="0"/>
               </a:rPr>
@@ -24159,7 +24184,7 @@
             <a:r>
               <a:rPr lang="en-US" altLang="zh-CN" sz="2000" b="1" dirty="0">
                 <a:solidFill>
-                  <a:schemeClr val="folHlink"/>
+                  <a:srgbClr val="0432FF"/>
                 </a:solidFill>
                 <a:latin typeface="Courier New" panose="02070309020205020404" pitchFamily="49" charset="0"/>
               </a:rPr>
@@ -24168,7 +24193,7 @@
             <a:r>
               <a:rPr lang="en-US" altLang="zh-CN" sz="2000" b="1" dirty="0" err="1">
                 <a:solidFill>
-                  <a:schemeClr val="folHlink"/>
+                  <a:srgbClr val="0432FF"/>
                 </a:solidFill>
                 <a:latin typeface="Courier New" panose="02070309020205020404" pitchFamily="49" charset="0"/>
               </a:rPr>
@@ -24177,7 +24202,7 @@
             <a:r>
               <a:rPr lang="en-US" altLang="zh-CN" sz="2000" b="1" dirty="0">
                 <a:solidFill>
-                  <a:schemeClr val="folHlink"/>
+                  <a:srgbClr val="0432FF"/>
                 </a:solidFill>
                 <a:latin typeface="Courier New" panose="02070309020205020404" pitchFamily="49" charset="0"/>
               </a:rPr>
@@ -24195,7 +24220,7 @@
             <a:r>
               <a:rPr lang="en-US" altLang="zh-CN" sz="2000" b="1" dirty="0">
                 <a:solidFill>
-                  <a:schemeClr val="folHlink"/>
+                  <a:srgbClr val="0432FF"/>
                 </a:solidFill>
                 <a:latin typeface="Courier New" panose="02070309020205020404" pitchFamily="49" charset="0"/>
               </a:rPr>
@@ -24213,7 +24238,7 @@
             <a:r>
               <a:rPr lang="en-US" altLang="zh-CN" sz="2000" b="1" dirty="0">
                 <a:solidFill>
-                  <a:schemeClr val="folHlink"/>
+                  <a:srgbClr val="0432FF"/>
                 </a:solidFill>
                 <a:latin typeface="Courier New" panose="02070309020205020404" pitchFamily="49" charset="0"/>
               </a:rPr>
@@ -24222,7 +24247,7 @@
             <a:r>
               <a:rPr lang="en-US" altLang="zh-CN" sz="2000" b="1" dirty="0" err="1">
                 <a:solidFill>
-                  <a:schemeClr val="folHlink"/>
+                  <a:srgbClr val="0432FF"/>
                 </a:solidFill>
                 <a:latin typeface="Courier New" panose="02070309020205020404" pitchFamily="49" charset="0"/>
               </a:rPr>
@@ -24231,7 +24256,7 @@
             <a:r>
               <a:rPr lang="en-US" altLang="zh-CN" sz="2000" b="1" dirty="0">
                 <a:solidFill>
-                  <a:schemeClr val="folHlink"/>
+                  <a:srgbClr val="0432FF"/>
                 </a:solidFill>
                 <a:latin typeface="Courier New" panose="02070309020205020404" pitchFamily="49" charset="0"/>
               </a:rPr>
@@ -24249,7 +24274,7 @@
             <a:r>
               <a:rPr lang="en-US" altLang="zh-CN" sz="2000" b="1" dirty="0">
                 <a:solidFill>
-                  <a:schemeClr val="folHlink"/>
+                  <a:srgbClr val="0432FF"/>
                 </a:solidFill>
                 <a:latin typeface="Courier New" panose="02070309020205020404" pitchFamily="49" charset="0"/>
               </a:rPr>
@@ -24266,7 +24291,7 @@
             </a:pPr>
             <a:endParaRPr lang="en-US" altLang="zh-CN" sz="2000" b="1" dirty="0">
               <a:solidFill>
-                <a:schemeClr val="folHlink"/>
+                <a:srgbClr val="0432FF"/>
               </a:solidFill>
               <a:latin typeface="Courier New" panose="02070309020205020404" pitchFamily="49" charset="0"/>
             </a:endParaRPr>
@@ -24282,7 +24307,7 @@
             <a:r>
               <a:rPr lang="en-US" altLang="zh-CN" sz="2000" b="1" dirty="0">
                 <a:solidFill>
-                  <a:schemeClr val="folHlink"/>
+                  <a:srgbClr val="0432FF"/>
                 </a:solidFill>
                 <a:latin typeface="Courier New" panose="02070309020205020404" pitchFamily="49" charset="0"/>
               </a:rPr>
@@ -24291,7 +24316,7 @@
             <a:r>
               <a:rPr lang="en-US" altLang="zh-CN" sz="2000" b="1" dirty="0" err="1">
                 <a:solidFill>
-                  <a:schemeClr val="folHlink"/>
+                  <a:srgbClr val="0432FF"/>
                 </a:solidFill>
                 <a:latin typeface="Courier New" panose="02070309020205020404" pitchFamily="49" charset="0"/>
               </a:rPr>
@@ -24300,7 +24325,7 @@
             <a:r>
               <a:rPr lang="en-US" altLang="zh-CN" sz="2000" b="1" dirty="0">
                 <a:solidFill>
-                  <a:schemeClr val="folHlink"/>
+                  <a:srgbClr val="0432FF"/>
                 </a:solidFill>
                 <a:latin typeface="Courier New" panose="02070309020205020404" pitchFamily="49" charset="0"/>
               </a:rPr>
@@ -24318,7 +24343,7 @@
             <a:r>
               <a:rPr lang="en-US" altLang="zh-CN" sz="2000" b="1" dirty="0">
                 <a:solidFill>
-                  <a:schemeClr val="folHlink"/>
+                  <a:srgbClr val="0432FF"/>
                 </a:solidFill>
                 <a:latin typeface="Courier New" panose="02070309020205020404" pitchFamily="49" charset="0"/>
               </a:rPr>
@@ -24327,7 +24352,7 @@
             <a:r>
               <a:rPr lang="en-US" altLang="zh-CN" sz="2000" b="1" dirty="0" err="1">
                 <a:solidFill>
-                  <a:schemeClr val="folHlink"/>
+                  <a:srgbClr val="0432FF"/>
                 </a:solidFill>
                 <a:latin typeface="Courier New" panose="02070309020205020404" pitchFamily="49" charset="0"/>
               </a:rPr>
@@ -24336,7 +24361,7 @@
             <a:r>
               <a:rPr lang="en-US" altLang="zh-CN" sz="2000" b="1" dirty="0">
                 <a:solidFill>
-                  <a:schemeClr val="folHlink"/>
+                  <a:srgbClr val="0432FF"/>
                 </a:solidFill>
                 <a:latin typeface="Courier New" panose="02070309020205020404" pitchFamily="49" charset="0"/>
               </a:rPr>
@@ -24354,7 +24379,7 @@
             <a:r>
               <a:rPr lang="en-US" altLang="zh-CN" sz="2000" b="1" dirty="0">
                 <a:solidFill>
-                  <a:schemeClr val="folHlink"/>
+                  <a:srgbClr val="0432FF"/>
                 </a:solidFill>
                 <a:latin typeface="Courier New" panose="02070309020205020404" pitchFamily="49" charset="0"/>
               </a:rPr>
@@ -24372,7 +24397,7 @@
             <a:r>
               <a:rPr lang="en-US" altLang="zh-CN" sz="2000" b="1" dirty="0">
                 <a:solidFill>
-                  <a:schemeClr val="folHlink"/>
+                  <a:srgbClr val="0432FF"/>
                 </a:solidFill>
                 <a:latin typeface="Courier New" panose="02070309020205020404" pitchFamily="49" charset="0"/>
               </a:rPr>
@@ -24381,7 +24406,7 @@
             <a:r>
               <a:rPr lang="en-US" altLang="zh-CN" sz="2000" b="1" dirty="0" err="1">
                 <a:solidFill>
-                  <a:schemeClr val="folHlink"/>
+                  <a:srgbClr val="0432FF"/>
                 </a:solidFill>
                 <a:latin typeface="Courier New" panose="02070309020205020404" pitchFamily="49" charset="0"/>
               </a:rPr>
@@ -24390,7 +24415,7 @@
             <a:r>
               <a:rPr lang="en-US" altLang="zh-CN" sz="2000" b="1" dirty="0">
                 <a:solidFill>
-                  <a:schemeClr val="folHlink"/>
+                  <a:srgbClr val="0432FF"/>
                 </a:solidFill>
                 <a:latin typeface="Courier New" panose="02070309020205020404" pitchFamily="49" charset="0"/>
               </a:rPr>
@@ -24408,7 +24433,7 @@
             <a:r>
               <a:rPr lang="en-US" altLang="zh-CN" sz="2000" b="1" dirty="0">
                 <a:solidFill>
-                  <a:schemeClr val="folHlink"/>
+                  <a:srgbClr val="0432FF"/>
                 </a:solidFill>
                 <a:latin typeface="Courier New" panose="02070309020205020404" pitchFamily="49" charset="0"/>
               </a:rPr>
@@ -24426,7 +24451,7 @@
             <a:r>
               <a:rPr lang="en-US" altLang="zh-CN" sz="2000" b="1" dirty="0">
                 <a:solidFill>
-                  <a:schemeClr val="folHlink"/>
+                  <a:srgbClr val="0432FF"/>
                 </a:solidFill>
                 <a:latin typeface="Courier New" panose="02070309020205020404" pitchFamily="49" charset="0"/>
               </a:rPr>
